--- a/GA_Group7_DotMap Final Preposition.pptx
+++ b/GA_Group7_DotMap Final Preposition.pptx
@@ -7,10 +7,10 @@
     <p:sldMasterId id="2147483653" r:id="rId3"/>
   </p:sldMasterIdLst>
   <p:notesMasterIdLst>
-    <p:notesMasterId r:id="rId29"/>
+    <p:notesMasterId r:id="rId30"/>
   </p:notesMasterIdLst>
   <p:handoutMasterIdLst>
-    <p:handoutMasterId r:id="rId30"/>
+    <p:handoutMasterId r:id="rId31"/>
   </p:handoutMasterIdLst>
   <p:sldIdLst>
     <p:sldId id="256" r:id="rId4"/>
@@ -22,22 +22,23 @@
     <p:sldId id="343" r:id="rId10"/>
     <p:sldId id="345" r:id="rId11"/>
     <p:sldId id="344" r:id="rId12"/>
-    <p:sldId id="346" r:id="rId13"/>
-    <p:sldId id="347" r:id="rId14"/>
-    <p:sldId id="332" r:id="rId15"/>
-    <p:sldId id="336" r:id="rId16"/>
-    <p:sldId id="348" r:id="rId17"/>
-    <p:sldId id="338" r:id="rId18"/>
-    <p:sldId id="339" r:id="rId19"/>
-    <p:sldId id="330" r:id="rId20"/>
-    <p:sldId id="329" r:id="rId21"/>
-    <p:sldId id="331" r:id="rId22"/>
-    <p:sldId id="335" r:id="rId23"/>
-    <p:sldId id="337" r:id="rId24"/>
-    <p:sldId id="333" r:id="rId25"/>
-    <p:sldId id="318" r:id="rId26"/>
-    <p:sldId id="320" r:id="rId27"/>
-    <p:sldId id="334" r:id="rId28"/>
+    <p:sldId id="349" r:id="rId13"/>
+    <p:sldId id="346" r:id="rId14"/>
+    <p:sldId id="347" r:id="rId15"/>
+    <p:sldId id="332" r:id="rId16"/>
+    <p:sldId id="336" r:id="rId17"/>
+    <p:sldId id="348" r:id="rId18"/>
+    <p:sldId id="338" r:id="rId19"/>
+    <p:sldId id="339" r:id="rId20"/>
+    <p:sldId id="330" r:id="rId21"/>
+    <p:sldId id="329" r:id="rId22"/>
+    <p:sldId id="331" r:id="rId23"/>
+    <p:sldId id="335" r:id="rId24"/>
+    <p:sldId id="337" r:id="rId25"/>
+    <p:sldId id="333" r:id="rId26"/>
+    <p:sldId id="318" r:id="rId27"/>
+    <p:sldId id="320" r:id="rId28"/>
+    <p:sldId id="334" r:id="rId29"/>
   </p:sldIdLst>
   <p:sldSz cx="9144000" cy="6858000" type="screen4x3"/>
   <p:notesSz cx="6797675" cy="9926638"/>
@@ -981,7 +982,7 @@
               <a:pPr>
                 <a:defRPr/>
               </a:pPr>
-              <a:t>24</a:t>
+              <a:t>25</a:t>
             </a:fld>
             <a:endParaRPr lang="en-US"/>
           </a:p>
@@ -1071,7 +1072,7 @@
               <a:pPr>
                 <a:defRPr/>
               </a:pPr>
-              <a:t>25</a:t>
+              <a:t>26</a:t>
             </a:fld>
             <a:endParaRPr lang="en-US"/>
           </a:p>
@@ -11704,8 +11705,8 @@
               <a:t> </a:t>
             </a:r>
             <a:r>
-              <a:rPr lang="en-US" dirty="0" err="1"/>
-              <a:t>Petreva</a:t>
+              <a:rPr lang="en-US" dirty="0" err="1" smtClean="0"/>
+              <a:t>Petrova</a:t>
             </a:r>
             <a:endParaRPr lang="en-US" dirty="0"/>
           </a:p>
@@ -11717,8 +11718,13 @@
             </a:r>
             <a:r>
               <a:rPr lang="en-US" dirty="0"/>
-              <a:t> Alex</a:t>
-            </a:r>
+              <a:t> </a:t>
+            </a:r>
+            <a:r>
+              <a:rPr lang="en-US" dirty="0" err="1" smtClean="0"/>
+              <a:t>Stoica</a:t>
+            </a:r>
+            <a:endParaRPr lang="en-US" dirty="0"/>
           </a:p>
         </p:txBody>
       </p:sp>
@@ -11764,102 +11770,70 @@
           <a:p>
             <a:r>
               <a:rPr lang="en-US" altLang="nl-NL" dirty="0" smtClean="0"/>
-              <a:t>Size/radius of dots</a:t>
+              <a:t>Splitting dots into groups</a:t>
             </a:r>
             <a:endParaRPr lang="en-US" altLang="nl-NL" dirty="0"/>
           </a:p>
         </p:txBody>
       </p:sp>
-      <p:sp>
-        <p:nvSpPr>
-          <p:cNvPr id="66563" name="Content Placeholder 2"/>
-          <p:cNvSpPr>
-            <a:spLocks noGrp="1"/>
-          </p:cNvSpPr>
-          <p:nvPr>
-            <p:ph idx="1"/>
-          </p:nvPr>
-        </p:nvSpPr>
+      <p:pic>
+        <p:nvPicPr>
+          <p:cNvPr id="4" name="Picture 3"/>
+          <p:cNvPicPr>
+            <a:picLocks noChangeAspect="1"/>
+          </p:cNvPicPr>
+          <p:nvPr/>
+        </p:nvPicPr>
+        <p:blipFill>
+          <a:blip r:embed="rId2"/>
+          <a:stretch>
+            <a:fillRect/>
+          </a:stretch>
+        </p:blipFill>
         <p:spPr>
           <a:xfrm>
-            <a:off x="611188" y="1600201"/>
-            <a:ext cx="7994650" cy="4601107"/>
+            <a:off x="1943708" y="1736812"/>
+            <a:ext cx="5076564" cy="3402984"/>
           </a:xfrm>
-        </p:spPr>
-        <p:txBody>
-          <a:bodyPr/>
+          <a:prstGeom prst="rect">
+            <a:avLst/>
+          </a:prstGeom>
+        </p:spPr>
+      </p:pic>
+      <p:sp>
+        <p:nvSpPr>
+          <p:cNvPr id="5" name="Rectangle 4"/>
+          <p:cNvSpPr/>
+          <p:nvPr/>
+        </p:nvSpPr>
+        <p:spPr>
+          <a:xfrm>
+            <a:off x="619021" y="5301208"/>
+            <a:ext cx="6948772" cy="523220"/>
+          </a:xfrm>
+          <a:prstGeom prst="rect">
+            <a:avLst/>
+          </a:prstGeom>
+        </p:spPr>
+        <p:txBody>
+          <a:bodyPr wrap="square">
+            <a:spAutoFit/>
+          </a:bodyPr>
           <a:lstStyle/>
           <a:p>
-            <a:pPr lvl="2">
-              <a:buFont typeface="Arial" panose="020B0604020202020204" pitchFamily="34" charset="0"/>
-              <a:buChar char="•"/>
-            </a:pPr>
-            <a:r>
-              <a:rPr lang="en-US" altLang="nl-NL" sz="1800" dirty="0"/>
-              <a:t>For better display, we want the distance between each dot is at least, say 70 pixels.</a:t>
-            </a:r>
-          </a:p>
-          <a:p>
-            <a:pPr lvl="2">
-              <a:buFont typeface="Arial" panose="020B0604020202020204" pitchFamily="34" charset="0"/>
-              <a:buChar char="•"/>
-            </a:pPr>
-            <a:r>
-              <a:rPr lang="en-US" altLang="nl-NL" sz="1800" dirty="0"/>
-              <a:t>Then we would have the radius of the dot = </a:t>
-            </a:r>
-          </a:p>
-          <a:p>
-            <a:pPr lvl="2">
-              <a:buFont typeface="Arial" panose="020B0604020202020204" pitchFamily="34" charset="0"/>
-              <a:buChar char="•"/>
-            </a:pPr>
-            <a:r>
-              <a:rPr lang="en-US" altLang="nl-NL" sz="1800" dirty="0"/>
-              <a:t>	min(window width, window height) / 70 / zoom in level / 5 </a:t>
-            </a:r>
-          </a:p>
-          <a:p>
-            <a:pPr lvl="2">
-              <a:buFont typeface="Arial" panose="020B0604020202020204" pitchFamily="34" charset="0"/>
-              <a:buChar char="•"/>
-            </a:pPr>
-            <a:r>
-              <a:rPr lang="en-US" altLang="nl-NL" sz="1800" dirty="0"/>
-              <a:t>	5 is here for some distance between other dots.</a:t>
-            </a:r>
-          </a:p>
-          <a:p>
-            <a:pPr lvl="2">
-              <a:buFont typeface="Arial" panose="020B0604020202020204" pitchFamily="34" charset="0"/>
-              <a:buChar char="•"/>
-            </a:pPr>
-            <a:r>
-              <a:rPr lang="en-US" altLang="nl-NL" sz="1800" dirty="0"/>
-              <a:t>Zoom in level 1 means each dot = 1 person.</a:t>
-            </a:r>
-          </a:p>
-          <a:p>
-            <a:pPr lvl="2">
-              <a:buFont typeface="Arial" panose="020B0604020202020204" pitchFamily="34" charset="0"/>
-              <a:buChar char="•"/>
-            </a:pPr>
-            <a:r>
-              <a:rPr lang="en-US" altLang="nl-NL" sz="1800" dirty="0"/>
-              <a:t>For better visibility, we give a minimum radius of the dot, for instance 4</a:t>
-            </a:r>
-            <a:r>
-              <a:rPr lang="en-US" altLang="nl-NL" sz="1800" dirty="0" smtClean="0"/>
-              <a:t>.</a:t>
-            </a:r>
-            <a:endParaRPr lang="en-US" altLang="nl-NL" sz="2800" dirty="0"/>
+            <a:pPr lvl="2"/>
+            <a:r>
+              <a:rPr lang="en-US" altLang="zh-CN" sz="1400" dirty="0" smtClean="0"/>
+              <a:t>Number of dots of each cell need to reach the minimum percentage (20%) of the maximum number</a:t>
+            </a:r>
+            <a:endParaRPr lang="en-US" altLang="nl-NL" sz="1400" dirty="0"/>
           </a:p>
         </p:txBody>
       </p:sp>
     </p:spTree>
     <p:extLst>
       <p:ext uri="{BB962C8B-B14F-4D97-AF65-F5344CB8AC3E}">
-        <p14:creationId xmlns:p14="http://schemas.microsoft.com/office/powerpoint/2010/main" val="2460421937"/>
+        <p14:creationId xmlns:p14="http://schemas.microsoft.com/office/powerpoint/2010/main" val="311877233"/>
       </p:ext>
     </p:extLst>
   </p:cSld>
@@ -11903,7 +11877,7 @@
           <a:p>
             <a:r>
               <a:rPr lang="en-US" altLang="nl-NL" dirty="0" smtClean="0"/>
-              <a:t>Location of dots</a:t>
+              <a:t>Size/radius of dots</a:t>
             </a:r>
             <a:endParaRPr lang="en-US" altLang="nl-NL" dirty="0"/>
           </a:p>
@@ -11934,8 +11908,8 @@
               <a:buChar char="•"/>
             </a:pPr>
             <a:r>
-              <a:rPr lang="en-US" altLang="nl-NL" sz="2800" dirty="0" smtClean="0"/>
-              <a:t>Location</a:t>
+              <a:rPr lang="en-US" altLang="nl-NL" sz="1800" dirty="0"/>
+              <a:t>For better display, we want the distance between each dot is at least, say 70 pixels.</a:t>
             </a:r>
           </a:p>
           <a:p>
@@ -11944,8 +11918,8 @@
               <a:buChar char="•"/>
             </a:pPr>
             <a:r>
-              <a:rPr lang="en-US" altLang="nl-NL" sz="2800" dirty="0" smtClean="0"/>
-              <a:t>Overlapping solution</a:t>
+              <a:rPr lang="en-US" altLang="nl-NL" sz="1800" dirty="0"/>
+              <a:t>Then we would have the radius of the dot = </a:t>
             </a:r>
           </a:p>
           <a:p>
@@ -11953,6 +11927,44 @@
               <a:buFont typeface="Arial" panose="020B0604020202020204" pitchFamily="34" charset="0"/>
               <a:buChar char="•"/>
             </a:pPr>
+            <a:r>
+              <a:rPr lang="en-US" altLang="nl-NL" sz="1800" dirty="0"/>
+              <a:t>	min(window width, window height) / 70 / zoom in level / 5 </a:t>
+            </a:r>
+          </a:p>
+          <a:p>
+            <a:pPr lvl="2">
+              <a:buFont typeface="Arial" panose="020B0604020202020204" pitchFamily="34" charset="0"/>
+              <a:buChar char="•"/>
+            </a:pPr>
+            <a:r>
+              <a:rPr lang="en-US" altLang="nl-NL" sz="1800" dirty="0"/>
+              <a:t>	5 is here for some distance between other dots.</a:t>
+            </a:r>
+          </a:p>
+          <a:p>
+            <a:pPr lvl="2">
+              <a:buFont typeface="Arial" panose="020B0604020202020204" pitchFamily="34" charset="0"/>
+              <a:buChar char="•"/>
+            </a:pPr>
+            <a:r>
+              <a:rPr lang="en-US" altLang="nl-NL" sz="1800" dirty="0"/>
+              <a:t>Zoom in level 1 means each dot = 1 person.</a:t>
+            </a:r>
+          </a:p>
+          <a:p>
+            <a:pPr lvl="2">
+              <a:buFont typeface="Arial" panose="020B0604020202020204" pitchFamily="34" charset="0"/>
+              <a:buChar char="•"/>
+            </a:pPr>
+            <a:r>
+              <a:rPr lang="en-US" altLang="nl-NL" sz="1800" dirty="0"/>
+              <a:t>For better visibility, we give a minimum radius of the dot, for instance 4</a:t>
+            </a:r>
+            <a:r>
+              <a:rPr lang="en-US" altLang="nl-NL" sz="1800" dirty="0" smtClean="0"/>
+              <a:t>.</a:t>
+            </a:r>
             <a:endParaRPr lang="en-US" altLang="nl-NL" sz="2800" dirty="0"/>
           </a:p>
         </p:txBody>
@@ -11960,7 +11972,7 @@
     </p:spTree>
     <p:extLst>
       <p:ext uri="{BB962C8B-B14F-4D97-AF65-F5344CB8AC3E}">
-        <p14:creationId xmlns:p14="http://schemas.microsoft.com/office/powerpoint/2010/main" val="1487541731"/>
+        <p14:creationId xmlns:p14="http://schemas.microsoft.com/office/powerpoint/2010/main" val="2460421937"/>
       </p:ext>
     </p:extLst>
   </p:cSld>
@@ -12023,59 +12035,45 @@
         <p:spPr>
           <a:xfrm>
             <a:off x="611188" y="1600201"/>
-            <a:ext cx="7994650" cy="2332855"/>
+            <a:ext cx="7994650" cy="4601107"/>
           </a:xfrm>
         </p:spPr>
         <p:txBody>
           <a:bodyPr/>
           <a:lstStyle/>
           <a:p>
-            <a:pPr lvl="1"/>
-            <a:r>
-              <a:rPr lang="en-US" altLang="nl-NL" sz="2800" dirty="0"/>
-              <a:t>Where to place the </a:t>
-            </a:r>
-            <a:r>
-              <a:rPr lang="en-US" altLang="nl-NL" sz="2800" dirty="0" smtClean="0"/>
-              <a:t>dot.</a:t>
-            </a:r>
-            <a:endParaRPr lang="en-US" altLang="nl-NL" sz="2800" dirty="0"/>
-          </a:p>
-          <a:p>
-            <a:pPr lvl="2"/>
-            <a:r>
-              <a:rPr lang="en-US" altLang="nl-NL" sz="2800" dirty="0">
-                <a:solidFill>
-                  <a:schemeClr val="accent6"/>
-                </a:solidFill>
-              </a:rPr>
-              <a:t>Choose the middle dot’s position</a:t>
-            </a:r>
-          </a:p>
-          <a:p>
-            <a:pPr lvl="3"/>
-            <a:r>
-              <a:rPr lang="en-US" altLang="nl-NL" sz="1800" dirty="0">
-                <a:solidFill>
-                  <a:schemeClr val="accent6"/>
-                </a:solidFill>
-              </a:rPr>
-              <a:t>Dots are stored in a list</a:t>
-            </a:r>
-          </a:p>
-          <a:p>
-            <a:pPr lvl="2"/>
-            <a:r>
-              <a:rPr lang="en-US" altLang="nl-NL" sz="2800" dirty="0"/>
-              <a:t>Average of all chosen dots’ positions</a:t>
-            </a:r>
+            <a:pPr lvl="2">
+              <a:buFont typeface="Arial" panose="020B0604020202020204" pitchFamily="34" charset="0"/>
+              <a:buChar char="•"/>
+            </a:pPr>
+            <a:r>
+              <a:rPr lang="en-US" altLang="nl-NL" sz="2400" dirty="0" smtClean="0"/>
+              <a:t>Location</a:t>
+            </a:r>
+          </a:p>
+          <a:p>
+            <a:pPr lvl="2">
+              <a:buFont typeface="Arial" panose="020B0604020202020204" pitchFamily="34" charset="0"/>
+              <a:buChar char="•"/>
+            </a:pPr>
+            <a:r>
+              <a:rPr lang="en-US" altLang="nl-NL" sz="2400" dirty="0" smtClean="0"/>
+              <a:t>Overlapping solution</a:t>
+            </a:r>
+          </a:p>
+          <a:p>
+            <a:pPr lvl="2">
+              <a:buFont typeface="Arial" panose="020B0604020202020204" pitchFamily="34" charset="0"/>
+              <a:buChar char="•"/>
+            </a:pPr>
+            <a:endParaRPr lang="en-US" altLang="nl-NL" sz="2400" dirty="0"/>
           </a:p>
         </p:txBody>
       </p:sp>
     </p:spTree>
     <p:extLst>
       <p:ext uri="{BB962C8B-B14F-4D97-AF65-F5344CB8AC3E}">
-        <p14:creationId xmlns:p14="http://schemas.microsoft.com/office/powerpoint/2010/main" val="1181847411"/>
+        <p14:creationId xmlns:p14="http://schemas.microsoft.com/office/powerpoint/2010/main" val="1487541731"/>
       </p:ext>
     </p:extLst>
   </p:cSld>
@@ -12145,50 +12143,52 @@
           <a:bodyPr/>
           <a:lstStyle/>
           <a:p>
-            <a:pPr lvl="2">
-              <a:buFont typeface="Arial" panose="020B0604020202020204" pitchFamily="34" charset="0"/>
-              <a:buChar char="•"/>
-            </a:pPr>
-            <a:r>
-              <a:rPr lang="en-US" altLang="zh-CN" sz="2800" dirty="0" smtClean="0"/>
-              <a:t>Solve </a:t>
-            </a:r>
-            <a:r>
-              <a:rPr lang="en-US" altLang="zh-CN" sz="2800" dirty="0"/>
-              <a:t>the overlapping</a:t>
-            </a:r>
-            <a:endParaRPr lang="en-US" altLang="nl-NL" sz="2800" dirty="0"/>
-          </a:p>
-        </p:txBody>
-      </p:sp>
-      <p:pic>
-        <p:nvPicPr>
-          <p:cNvPr id="3" name="Picture 2"/>
-          <p:cNvPicPr>
-            <a:picLocks noChangeAspect="1"/>
-          </p:cNvPicPr>
-          <p:nvPr/>
-        </p:nvPicPr>
-        <p:blipFill>
-          <a:blip r:embed="rId2"/>
-          <a:stretch>
-            <a:fillRect/>
-          </a:stretch>
-        </p:blipFill>
-        <p:spPr>
-          <a:xfrm>
-            <a:off x="1238013" y="3032956"/>
-            <a:ext cx="6741000" cy="2036800"/>
-          </a:xfrm>
-          <a:prstGeom prst="rect">
-            <a:avLst/>
-          </a:prstGeom>
-        </p:spPr>
-      </p:pic>
+            <a:pPr lvl="1"/>
+            <a:r>
+              <a:rPr lang="en-US" altLang="nl-NL" sz="2400" dirty="0"/>
+              <a:t>Where to place the </a:t>
+            </a:r>
+            <a:r>
+              <a:rPr lang="en-US" altLang="nl-NL" sz="2400" dirty="0" smtClean="0"/>
+              <a:t>dot.</a:t>
+            </a:r>
+            <a:endParaRPr lang="en-US" altLang="nl-NL" sz="2400" dirty="0"/>
+          </a:p>
+          <a:p>
+            <a:pPr lvl="2"/>
+            <a:r>
+              <a:rPr lang="en-US" altLang="nl-NL" sz="2400" dirty="0">
+                <a:solidFill>
+                  <a:schemeClr val="accent6"/>
+                </a:solidFill>
+              </a:rPr>
+              <a:t>Choose the middle dot’s position</a:t>
+            </a:r>
+          </a:p>
+          <a:p>
+            <a:pPr lvl="3"/>
+            <a:r>
+              <a:rPr lang="en-US" altLang="nl-NL" sz="1600" dirty="0">
+                <a:solidFill>
+                  <a:schemeClr val="accent6"/>
+                </a:solidFill>
+              </a:rPr>
+              <a:t>Dots are stored in a list</a:t>
+            </a:r>
+          </a:p>
+          <a:p>
+            <a:pPr lvl="2"/>
+            <a:r>
+              <a:rPr lang="en-US" altLang="nl-NL" sz="2400" dirty="0"/>
+              <a:t>Average of all chosen dots’ positions</a:t>
+            </a:r>
+          </a:p>
+        </p:txBody>
+      </p:sp>
     </p:spTree>
     <p:extLst>
       <p:ext uri="{BB962C8B-B14F-4D97-AF65-F5344CB8AC3E}">
-        <p14:creationId xmlns:p14="http://schemas.microsoft.com/office/powerpoint/2010/main" val="4172768736"/>
+        <p14:creationId xmlns:p14="http://schemas.microsoft.com/office/powerpoint/2010/main" val="1181847411"/>
       </p:ext>
     </p:extLst>
   </p:cSld>
@@ -12232,7 +12232,7 @@
           <a:p>
             <a:r>
               <a:rPr lang="en-US" altLang="nl-NL" dirty="0" smtClean="0"/>
-              <a:t>Coloring dots</a:t>
+              <a:t>Location of dots</a:t>
             </a:r>
             <a:endParaRPr lang="en-US" altLang="nl-NL" dirty="0"/>
           </a:p>
@@ -12251,7 +12251,7 @@
         <p:spPr>
           <a:xfrm>
             <a:off x="611188" y="1600201"/>
-            <a:ext cx="7994650" cy="4601107"/>
+            <a:ext cx="7994650" cy="2332855"/>
           </a:xfrm>
         </p:spPr>
         <p:txBody>
@@ -12263,33 +12263,45 @@
               <a:buChar char="•"/>
             </a:pPr>
             <a:r>
-              <a:rPr lang="en-US" altLang="nl-NL" sz="2800" dirty="0" smtClean="0"/>
-              <a:t>Choosing color palette</a:t>
-            </a:r>
-          </a:p>
-          <a:p>
-            <a:pPr lvl="2">
-              <a:buFont typeface="Arial" panose="020B0604020202020204" pitchFamily="34" charset="0"/>
-              <a:buChar char="•"/>
-            </a:pPr>
-            <a:r>
-              <a:rPr lang="en-US" altLang="nl-NL" sz="2800" dirty="0" smtClean="0"/>
-              <a:t>Several solutions depending on ratios</a:t>
-            </a:r>
-          </a:p>
-          <a:p>
-            <a:pPr lvl="2">
-              <a:buFont typeface="Arial" panose="020B0604020202020204" pitchFamily="34" charset="0"/>
-              <a:buChar char="•"/>
-            </a:pPr>
+              <a:rPr lang="en-US" altLang="zh-CN" sz="2800" dirty="0" smtClean="0"/>
+              <a:t>Solve </a:t>
+            </a:r>
+            <a:r>
+              <a:rPr lang="en-US" altLang="zh-CN" sz="2800" dirty="0"/>
+              <a:t>the overlapping</a:t>
+            </a:r>
             <a:endParaRPr lang="en-US" altLang="nl-NL" sz="2800" dirty="0"/>
           </a:p>
         </p:txBody>
       </p:sp>
+      <p:pic>
+        <p:nvPicPr>
+          <p:cNvPr id="2" name="Picture 1"/>
+          <p:cNvPicPr>
+            <a:picLocks noChangeAspect="1"/>
+          </p:cNvPicPr>
+          <p:nvPr/>
+        </p:nvPicPr>
+        <p:blipFill>
+          <a:blip r:embed="rId2"/>
+          <a:stretch>
+            <a:fillRect/>
+          </a:stretch>
+        </p:blipFill>
+        <p:spPr>
+          <a:xfrm>
+            <a:off x="2153217" y="2920619"/>
+            <a:ext cx="4831051" cy="1474400"/>
+          </a:xfrm>
+          <a:prstGeom prst="rect">
+            <a:avLst/>
+          </a:prstGeom>
+        </p:spPr>
+      </p:pic>
     </p:spTree>
     <p:extLst>
       <p:ext uri="{BB962C8B-B14F-4D97-AF65-F5344CB8AC3E}">
-        <p14:creationId xmlns:p14="http://schemas.microsoft.com/office/powerpoint/2010/main" val="2349608170"/>
+        <p14:creationId xmlns:p14="http://schemas.microsoft.com/office/powerpoint/2010/main" val="4172768736"/>
       </p:ext>
     </p:extLst>
   </p:cSld>
@@ -12300,7 +12312,7 @@
 </file>
 
 <file path=ppt/slides/slide15.xml><?xml version="1.0" encoding="utf-8"?>
-<p:sld xmlns:a="http://schemas.openxmlformats.org/drawingml/2006/main" xmlns:r="http://schemas.openxmlformats.org/officeDocument/2006/relationships" xmlns:p="http://schemas.openxmlformats.org/presentationml/2006/main">
+<p:sld xmlns:a="http://schemas.openxmlformats.org/drawingml/2006/main" xmlns:r="http://schemas.openxmlformats.org/officeDocument/2006/relationships" xmlns:p="http://schemas.openxmlformats.org/presentationml/2006/main" show="0">
   <p:cSld>
     <p:spTree>
       <p:nvGrpSpPr>
@@ -12333,14 +12345,123 @@
           <a:p>
             <a:r>
               <a:rPr lang="en-US" altLang="nl-NL" dirty="0" smtClean="0"/>
+              <a:t>Coloring dots</a:t>
+            </a:r>
+            <a:endParaRPr lang="en-US" altLang="nl-NL" dirty="0"/>
+          </a:p>
+        </p:txBody>
+      </p:sp>
+      <p:sp>
+        <p:nvSpPr>
+          <p:cNvPr id="66563" name="Content Placeholder 2"/>
+          <p:cNvSpPr>
+            <a:spLocks noGrp="1"/>
+          </p:cNvSpPr>
+          <p:nvPr>
+            <p:ph idx="1"/>
+          </p:nvPr>
+        </p:nvSpPr>
+        <p:spPr>
+          <a:xfrm>
+            <a:off x="611188" y="1600201"/>
+            <a:ext cx="7994650" cy="4601107"/>
+          </a:xfrm>
+        </p:spPr>
+        <p:txBody>
+          <a:bodyPr/>
+          <a:lstStyle/>
+          <a:p>
+            <a:pPr lvl="2">
+              <a:buFont typeface="Arial" panose="020B0604020202020204" pitchFamily="34" charset="0"/>
+              <a:buChar char="•"/>
+            </a:pPr>
+            <a:r>
+              <a:rPr lang="en-US" altLang="nl-NL" sz="2400" dirty="0" smtClean="0"/>
+              <a:t>Choosing color palette</a:t>
+            </a:r>
+          </a:p>
+          <a:p>
+            <a:pPr lvl="2">
+              <a:buFont typeface="Arial" panose="020B0604020202020204" pitchFamily="34" charset="0"/>
+              <a:buChar char="•"/>
+            </a:pPr>
+            <a:r>
+              <a:rPr lang="en-US" altLang="nl-NL" sz="2400" dirty="0" smtClean="0"/>
+              <a:t>Several solutions depending on ratios</a:t>
+            </a:r>
+          </a:p>
+          <a:p>
+            <a:pPr lvl="2">
+              <a:buFont typeface="Arial" panose="020B0604020202020204" pitchFamily="34" charset="0"/>
+              <a:buChar char="•"/>
+            </a:pPr>
+            <a:endParaRPr lang="en-US" altLang="nl-NL" sz="2400" dirty="0"/>
+          </a:p>
+        </p:txBody>
+      </p:sp>
+    </p:spTree>
+    <p:extLst>
+      <p:ext uri="{BB962C8B-B14F-4D97-AF65-F5344CB8AC3E}">
+        <p14:creationId xmlns:p14="http://schemas.microsoft.com/office/powerpoint/2010/main" val="2349608170"/>
+      </p:ext>
+    </p:extLst>
+  </p:cSld>
+  <p:clrMapOvr>
+    <a:masterClrMapping/>
+  </p:clrMapOvr>
+  <mc:AlternateContent xmlns:mc="http://schemas.openxmlformats.org/markup-compatibility/2006" xmlns:p14="http://schemas.microsoft.com/office/powerpoint/2010/main">
+    <mc:Choice Requires="p14">
+      <p:transition spd="slow" p14:dur="2000"/>
+    </mc:Choice>
+    <mc:Fallback xmlns="">
+      <p:transition spd="slow"/>
+    </mc:Fallback>
+  </mc:AlternateContent>
+</p:sld>
+</file>
+
+<file path=ppt/slides/slide16.xml><?xml version="1.0" encoding="utf-8"?>
+<p:sld xmlns:a="http://schemas.openxmlformats.org/drawingml/2006/main" xmlns:r="http://schemas.openxmlformats.org/officeDocument/2006/relationships" xmlns:p="http://schemas.openxmlformats.org/presentationml/2006/main" show="0">
+  <p:cSld>
+    <p:spTree>
+      <p:nvGrpSpPr>
+        <p:cNvPr id="1" name=""/>
+        <p:cNvGrpSpPr/>
+        <p:nvPr/>
+      </p:nvGrpSpPr>
+      <p:grpSpPr>
+        <a:xfrm>
+          <a:off x="0" y="0"/>
+          <a:ext cx="0" cy="0"/>
+          <a:chOff x="0" y="0"/>
+          <a:chExt cx="0" cy="0"/>
+        </a:xfrm>
+      </p:grpSpPr>
+      <p:sp>
+        <p:nvSpPr>
+          <p:cNvPr id="66562" name="Title 1"/>
+          <p:cNvSpPr>
+            <a:spLocks noGrp="1"/>
+          </p:cNvSpPr>
+          <p:nvPr>
+            <p:ph type="title"/>
+          </p:nvPr>
+        </p:nvSpPr>
+        <p:spPr/>
+        <p:txBody>
+          <a:bodyPr/>
+          <a:lstStyle/>
+          <a:p>
+            <a:r>
+              <a:rPr lang="en-US" altLang="nl-NL" dirty="0" smtClean="0"/>
               <a:t>Choosing color palette </a:t>
             </a:r>
             <a:endParaRPr lang="en-US" altLang="nl-NL" dirty="0"/>
           </a:p>
         </p:txBody>
       </p:sp>
-      <mc:AlternateContent xmlns:mc="http://schemas.openxmlformats.org/markup-compatibility/2006" xmlns:a14="http://schemas.microsoft.com/office/drawing/2010/main">
-        <mc:Choice Requires="a14">
+      <mc:AlternateContent xmlns:mc="http://schemas.openxmlformats.org/markup-compatibility/2006">
+        <mc:Choice xmlns:a14="http://schemas.microsoft.com/office/drawing/2010/main" Requires="a14">
           <p:sp>
             <p:nvSpPr>
               <p:cNvPr id="66563" name="Content Placeholder 2"/>
@@ -12363,49 +12484,49 @@
               <a:p>
                 <a:pPr lvl="1"/>
                 <a:r>
-                  <a:rPr lang="en-US" altLang="nl-NL" sz="2800" dirty="0"/>
+                  <a:rPr lang="en-US" altLang="nl-NL" sz="2400" dirty="0"/>
                   <a:t>Color of the dot</a:t>
                 </a:r>
                 <a:r>
-                  <a:rPr lang="ro-RO" altLang="nl-NL" sz="2800" dirty="0"/>
+                  <a:rPr lang="ro-RO" altLang="nl-NL" sz="2400" dirty="0"/>
                   <a:t> – Solution</a:t>
                 </a:r>
               </a:p>
               <a:p>
                 <a:pPr lvl="2"/>
                 <a:r>
-                  <a:rPr lang="ro-RO" altLang="nl-NL" sz="2800" dirty="0"/>
+                  <a:rPr lang="ro-RO" altLang="nl-NL" sz="2400" dirty="0"/>
                   <a:t>Use a rainbow palette</a:t>
                 </a:r>
               </a:p>
               <a:p>
                 <a:pPr lvl="2"/>
                 <a:r>
-                  <a:rPr lang="ro-RO" altLang="nl-NL" sz="2800" dirty="0"/>
+                  <a:rPr lang="ro-RO" altLang="nl-NL" sz="2400" dirty="0"/>
                   <a:t>Nr of categories = </a:t>
                 </a:r>
                 <a14:m>
                   <m:oMath xmlns:m="http://schemas.openxmlformats.org/officeDocument/2006/math">
                     <m:r>
-                      <a:rPr lang="ro-RO" altLang="nl-NL" sz="2800" i="1" dirty="0" smtClean="0">
+                      <a:rPr lang="ro-RO" altLang="nl-NL" sz="2400" i="1" dirty="0" smtClean="0">
                         <a:latin typeface="Cambria Math" panose="02040503050406030204" pitchFamily="18" charset="0"/>
                       </a:rPr>
                       <m:t>𝑘</m:t>
                     </m:r>
                   </m:oMath>
                 </a14:m>
-                <a:endParaRPr lang="ro-RO" altLang="nl-NL" sz="2800" dirty="0"/>
+                <a:endParaRPr lang="ro-RO" altLang="nl-NL" sz="2400" dirty="0"/>
               </a:p>
               <a:p>
                 <a:pPr lvl="2"/>
                 <a:r>
-                  <a:rPr lang="ro-RO" altLang="nl-NL" sz="2800" dirty="0"/>
+                  <a:rPr lang="ro-RO" altLang="nl-NL" sz="2400" dirty="0"/>
                   <a:t>For each category </a:t>
                 </a:r>
                 <a14:m>
                   <m:oMath xmlns:m="http://schemas.openxmlformats.org/officeDocument/2006/math">
                     <m:r>
-                      <a:rPr lang="ro-RO" altLang="nl-NL" sz="2800" b="1" i="1" smtClean="0">
+                      <a:rPr lang="ro-RO" altLang="nl-NL" sz="2400" b="1" i="1" smtClean="0">
                         <a:latin typeface="Cambria Math" panose="02040503050406030204" pitchFamily="18" charset="0"/>
                       </a:rPr>
                       <m:t>𝒊</m:t>
@@ -12413,13 +12534,13 @@
                   </m:oMath>
                 </a14:m>
                 <a:r>
-                  <a:rPr lang="ro-RO" altLang="nl-NL" sz="2800" dirty="0"/>
+                  <a:rPr lang="ro-RO" altLang="nl-NL" sz="2400" dirty="0"/>
                   <a:t> </a:t>
                 </a:r>
                 <a14:m>
                   <m:oMath xmlns:m="http://schemas.openxmlformats.org/officeDocument/2006/math">
                     <m:r>
-                      <a:rPr lang="ro-RO" altLang="nl-NL" sz="2800" i="1" smtClean="0">
+                      <a:rPr lang="ro-RO" altLang="nl-NL" sz="2400" i="1" smtClean="0">
                         <a:latin typeface="Cambria Math" panose="02040503050406030204" pitchFamily="18" charset="0"/>
                         <a:ea typeface="Cambria Math" panose="02040503050406030204" pitchFamily="18" charset="0"/>
                       </a:rPr>
@@ -12428,19 +12549,19 @@
                   </m:oMath>
                 </a14:m>
                 <a:r>
-                  <a:rPr lang="ro-RO" altLang="nl-NL" sz="2800" dirty="0"/>
+                  <a:rPr lang="ro-RO" altLang="nl-NL" sz="2400" dirty="0"/>
                   <a:t> 1 color = </a:t>
                 </a:r>
                 <a14:m>
                   <m:oMath xmlns:m="http://schemas.openxmlformats.org/officeDocument/2006/math">
                     <m:r>
-                      <a:rPr lang="ro-RO" altLang="nl-NL" sz="2800" i="1" dirty="0" smtClean="0">
+                      <a:rPr lang="ro-RO" altLang="nl-NL" sz="2400" i="1" dirty="0" smtClean="0">
                         <a:latin typeface="Cambria Math" panose="02040503050406030204" pitchFamily="18" charset="0"/>
                       </a:rPr>
                       <m:t>𝑘</m:t>
                     </m:r>
                     <m:r>
-                      <a:rPr lang="ro-RO" altLang="nl-NL" sz="2800" i="1" dirty="0" smtClean="0">
+                      <a:rPr lang="ro-RO" altLang="nl-NL" sz="2400" i="1" dirty="0" smtClean="0">
                         <a:latin typeface="Cambria Math" panose="02040503050406030204" pitchFamily="18" charset="0"/>
                       </a:rPr>
                       <m:t> </m:t>
@@ -12448,14 +12569,14 @@
                   </m:oMath>
                 </a14:m>
                 <a:r>
-                  <a:rPr lang="ro-RO" altLang="nl-NL" sz="2800" dirty="0"/>
+                  <a:rPr lang="ro-RO" altLang="nl-NL" sz="2400" dirty="0"/>
                   <a:t>different colors.</a:t>
                 </a:r>
               </a:p>
               <a:p>
                 <a:pPr lvl="2"/>
                 <a:r>
-                  <a:rPr lang="ro-RO" altLang="nl-NL" sz="2800" dirty="0"/>
+                  <a:rPr lang="ro-RO" altLang="nl-NL" sz="2400" dirty="0"/>
                   <a:t>Calculate ratio = </a:t>
                 </a:r>
                 <a14:m>
@@ -12463,14 +12584,14 @@
                     <m:f>
                       <m:fPr>
                         <m:ctrlPr>
-                          <a:rPr lang="ro-RO" altLang="nl-NL" sz="2800" i="1" dirty="0" smtClean="0">
+                          <a:rPr lang="ro-RO" altLang="nl-NL" sz="2400" i="1" dirty="0" smtClean="0">
                             <a:latin typeface="Cambria Math" panose="02040503050406030204" pitchFamily="18" charset="0"/>
                           </a:rPr>
                         </m:ctrlPr>
                       </m:fPr>
                       <m:num>
                         <m:r>
-                          <a:rPr lang="ro-RO" altLang="nl-NL" sz="2800" b="1" i="1" dirty="0" smtClean="0">
+                          <a:rPr lang="ro-RO" altLang="nl-NL" sz="2400" b="1" i="1" dirty="0" smtClean="0">
                             <a:latin typeface="Cambria Math" panose="02040503050406030204" pitchFamily="18" charset="0"/>
                           </a:rPr>
                           <m:t>𝟏</m:t>
@@ -12478,7 +12599,7 @@
                       </m:num>
                       <m:den>
                         <m:r>
-                          <a:rPr lang="ro-RO" altLang="nl-NL" sz="2800" b="1" i="1" dirty="0" smtClean="0">
+                          <a:rPr lang="ro-RO" altLang="nl-NL" sz="2400" b="1" i="1" dirty="0" smtClean="0">
                             <a:latin typeface="Cambria Math" panose="02040503050406030204" pitchFamily="18" charset="0"/>
                           </a:rPr>
                           <m:t>𝒌</m:t>
@@ -12488,20 +12609,20 @@
                   </m:oMath>
                 </a14:m>
                 <a:r>
-                  <a:rPr lang="ro-RO" altLang="nl-NL" sz="2800" dirty="0"/>
+                  <a:rPr lang="ro-RO" altLang="nl-NL" sz="2400" dirty="0"/>
                   <a:t>.</a:t>
                 </a:r>
               </a:p>
               <a:p>
                 <a:pPr lvl="2"/>
                 <a:r>
-                  <a:rPr lang="ro-RO" altLang="nl-NL" sz="2800" dirty="0"/>
+                  <a:rPr lang="ro-RO" altLang="nl-NL" sz="2400" dirty="0"/>
                   <a:t>For category </a:t>
                 </a:r>
                 <a14:m>
                   <m:oMath xmlns:m="http://schemas.openxmlformats.org/officeDocument/2006/math">
                     <m:r>
-                      <a:rPr lang="ro-RO" altLang="nl-NL" sz="2800" i="1" dirty="0" smtClean="0">
+                      <a:rPr lang="ro-RO" altLang="nl-NL" sz="2400" i="1" dirty="0" smtClean="0">
                         <a:latin typeface="Cambria Math" panose="02040503050406030204" pitchFamily="18" charset="0"/>
                       </a:rPr>
                       <m:t>𝑖</m:t>
@@ -12509,31 +12630,31 @@
                   </m:oMath>
                 </a14:m>
                 <a:r>
-                  <a:rPr lang="ro-RO" altLang="nl-NL" sz="2800" dirty="0"/>
+                  <a:rPr lang="ro-RO" altLang="nl-NL" sz="2400" dirty="0"/>
                   <a:t> the color </a:t>
                 </a:r>
                 <a14:m>
                   <m:oMath xmlns:m="http://schemas.openxmlformats.org/officeDocument/2006/math">
                     <m:r>
-                      <a:rPr lang="ro-RO" altLang="nl-NL" sz="2800" b="1" i="0" dirty="0" smtClean="0">
+                      <a:rPr lang="ro-RO" altLang="nl-NL" sz="2400" b="1" i="0" dirty="0" smtClean="0">
                         <a:latin typeface="Cambria Math" panose="02040503050406030204" pitchFamily="18" charset="0"/>
                       </a:rPr>
                       <m:t>=</m:t>
                     </m:r>
                     <m:r>
-                      <a:rPr lang="ro-RO" altLang="nl-NL" sz="2800" i="1" dirty="0" smtClean="0">
+                      <a:rPr lang="ro-RO" altLang="nl-NL" sz="2400" i="1" dirty="0" smtClean="0">
                         <a:latin typeface="Cambria Math" panose="02040503050406030204" pitchFamily="18" charset="0"/>
                       </a:rPr>
                       <m:t>𝑟𝑎𝑡𝑖𝑜</m:t>
                     </m:r>
                     <m:r>
-                      <a:rPr lang="ro-RO" altLang="nl-NL" sz="2800" i="1" dirty="0" smtClean="0">
+                      <a:rPr lang="ro-RO" altLang="nl-NL" sz="2400" i="1" dirty="0" smtClean="0">
                         <a:latin typeface="Cambria Math" panose="02040503050406030204" pitchFamily="18" charset="0"/>
                       </a:rPr>
                       <m:t> ∗ </m:t>
                     </m:r>
                     <m:r>
-                      <a:rPr lang="ro-RO" altLang="nl-NL" sz="2800" i="1" dirty="0" smtClean="0">
+                      <a:rPr lang="ro-RO" altLang="nl-NL" sz="2400" i="1" dirty="0" smtClean="0">
                         <a:latin typeface="Cambria Math" panose="02040503050406030204" pitchFamily="18" charset="0"/>
                       </a:rPr>
                       <m:t>𝑖</m:t>
@@ -12541,7 +12662,7 @@
                   </m:oMath>
                 </a14:m>
                 <a:r>
-                  <a:rPr lang="ro-RO" altLang="nl-NL" sz="2800" dirty="0"/>
+                  <a:rPr lang="ro-RO" altLang="nl-NL" sz="2400" dirty="0"/>
                   <a:t>, </a:t>
                 </a:r>
               </a:p>
@@ -12550,49 +12671,49 @@
                   <a:buNone/>
                 </a:pPr>
                 <a:r>
-                  <a:rPr lang="ro-RO" altLang="nl-NL" sz="2800" dirty="0"/>
+                  <a:rPr lang="ro-RO" altLang="nl-NL" sz="2400" dirty="0"/>
                   <a:t>			where </a:t>
                 </a:r>
                 <a14:m>
                   <m:oMath xmlns:m="http://schemas.openxmlformats.org/officeDocument/2006/math">
                     <m:r>
-                      <a:rPr lang="ro-RO" altLang="nl-NL" sz="2800" b="1" i="1" smtClean="0">
+                      <a:rPr lang="ro-RO" altLang="nl-NL" sz="2400" b="1" i="1" smtClean="0">
                         <a:latin typeface="Cambria Math" panose="02040503050406030204" pitchFamily="18" charset="0"/>
                       </a:rPr>
                       <m:t>𝟎</m:t>
                     </m:r>
                     <m:r>
-                      <a:rPr lang="ro-RO" altLang="nl-NL" sz="2800" b="1" i="1" smtClean="0">
+                      <a:rPr lang="ro-RO" altLang="nl-NL" sz="2400" b="1" i="1" smtClean="0">
                         <a:latin typeface="Cambria Math" panose="02040503050406030204" pitchFamily="18" charset="0"/>
                       </a:rPr>
                       <m:t>&lt;</m:t>
                     </m:r>
                     <m:r>
-                      <a:rPr lang="ro-RO" altLang="nl-NL" sz="2800" b="1" i="1" smtClean="0">
+                      <a:rPr lang="ro-RO" altLang="nl-NL" sz="2400" b="1" i="1" smtClean="0">
                         <a:latin typeface="Cambria Math" panose="02040503050406030204" pitchFamily="18" charset="0"/>
                       </a:rPr>
                       <m:t>𝒓𝒂𝒕𝒊𝒐</m:t>
                     </m:r>
                     <m:r>
-                      <a:rPr lang="ro-RO" altLang="nl-NL" sz="2800" b="1" i="1" smtClean="0">
+                      <a:rPr lang="ro-RO" altLang="nl-NL" sz="2400" b="1" i="1" smtClean="0">
                         <a:latin typeface="Cambria Math" panose="02040503050406030204" pitchFamily="18" charset="0"/>
                       </a:rPr>
                       <m:t> ∗</m:t>
                     </m:r>
                     <m:r>
-                      <a:rPr lang="ro-RO" altLang="nl-NL" sz="2800" b="1" i="1" smtClean="0">
+                      <a:rPr lang="ro-RO" altLang="nl-NL" sz="2400" b="1" i="1" smtClean="0">
                         <a:latin typeface="Cambria Math" panose="02040503050406030204" pitchFamily="18" charset="0"/>
                       </a:rPr>
                       <m:t>𝒊</m:t>
                     </m:r>
                     <m:r>
-                      <a:rPr lang="ro-RO" altLang="nl-NL" sz="2800" b="1" i="1" smtClean="0">
+                      <a:rPr lang="ro-RO" altLang="nl-NL" sz="2400" b="1" i="1" smtClean="0">
                         <a:latin typeface="Cambria Math" panose="02040503050406030204" pitchFamily="18" charset="0"/>
                       </a:rPr>
                       <m:t> ≤</m:t>
                     </m:r>
                     <m:r>
-                      <a:rPr lang="ro-RO" altLang="nl-NL" sz="2800" b="1" i="1" smtClean="0">
+                      <a:rPr lang="ro-RO" altLang="nl-NL" sz="2400" b="1" i="1" smtClean="0">
                         <a:latin typeface="Cambria Math" panose="02040503050406030204" pitchFamily="18" charset="0"/>
                         <a:ea typeface="Cambria Math" panose="02040503050406030204" pitchFamily="18" charset="0"/>
                       </a:rPr>
@@ -12600,12 +12721,12 @@
                     </m:r>
                   </m:oMath>
                 </a14:m>
-                <a:endParaRPr lang="en-US" altLang="nl-NL" sz="2800" dirty="0"/>
+                <a:endParaRPr lang="en-US" altLang="nl-NL" sz="2400" dirty="0"/>
               </a:p>
             </p:txBody>
           </p:sp>
         </mc:Choice>
-        <mc:Fallback xmlns="">
+        <mc:Fallback>
           <p:sp>
             <p:nvSpPr>
               <p:cNvPr id="66563" name="Content Placeholder 2"/>
@@ -12621,10 +12742,10 @@
                 <a:off x="611188" y="1600201"/>
                 <a:ext cx="7994650" cy="2332855"/>
               </a:xfrm>
-              <a:blipFill>
+              <a:blipFill rotWithShape="0">
                 <a:blip r:embed="rId2"/>
                 <a:stretch>
-                  <a:fillRect t="-4712" r="-2668" b="-87435"/>
+                  <a:fillRect t="-3927" r="-1753" b="-45288"/>
                 </a:stretch>
               </a:blipFill>
             </p:spPr>
@@ -12689,11 +12810,19 @@
   <p:clrMapOvr>
     <a:masterClrMapping/>
   </p:clrMapOvr>
+  <mc:AlternateContent xmlns:mc="http://schemas.openxmlformats.org/markup-compatibility/2006" xmlns:p14="http://schemas.microsoft.com/office/powerpoint/2010/main">
+    <mc:Choice Requires="p14">
+      <p:transition spd="slow" p14:dur="2000"/>
+    </mc:Choice>
+    <mc:Fallback xmlns="">
+      <p:transition spd="slow"/>
+    </mc:Fallback>
+  </mc:AlternateContent>
 </p:sld>
 </file>
 
-<file path=ppt/slides/slide16.xml><?xml version="1.0" encoding="utf-8"?>
-<p:sld xmlns:a="http://schemas.openxmlformats.org/drawingml/2006/main" xmlns:r="http://schemas.openxmlformats.org/officeDocument/2006/relationships" xmlns:p="http://schemas.openxmlformats.org/presentationml/2006/main">
+<file path=ppt/slides/slide17.xml><?xml version="1.0" encoding="utf-8"?>
+<p:sld xmlns:a="http://schemas.openxmlformats.org/drawingml/2006/main" xmlns:r="http://schemas.openxmlformats.org/officeDocument/2006/relationships" xmlns:p="http://schemas.openxmlformats.org/presentationml/2006/main" show="0">
   <p:cSld>
     <p:spTree>
       <p:nvGrpSpPr>
@@ -12760,7 +12889,7 @@
         </p:blipFill>
         <p:spPr>
           <a:xfrm>
-            <a:off x="3527361" y="3305805"/>
+            <a:off x="1871700" y="2924944"/>
             <a:ext cx="1504114" cy="1707372"/>
           </a:xfrm>
           <a:prstGeom prst="rect">
@@ -12896,11 +13025,19 @@
   <p:clrMapOvr>
     <a:masterClrMapping/>
   </p:clrMapOvr>
+  <mc:AlternateContent xmlns:mc="http://schemas.openxmlformats.org/markup-compatibility/2006" xmlns:p14="http://schemas.microsoft.com/office/powerpoint/2010/main">
+    <mc:Choice Requires="p14">
+      <p:transition spd="slow" p14:dur="2000"/>
+    </mc:Choice>
+    <mc:Fallback xmlns="">
+      <p:transition spd="slow"/>
+    </mc:Fallback>
+  </mc:AlternateContent>
 </p:sld>
 </file>
 
-<file path=ppt/slides/slide17.xml><?xml version="1.0" encoding="utf-8"?>
-<p:sld xmlns:a="http://schemas.openxmlformats.org/drawingml/2006/main" xmlns:r="http://schemas.openxmlformats.org/officeDocument/2006/relationships" xmlns:p="http://schemas.openxmlformats.org/presentationml/2006/main" show="0">
+<file path=ppt/slides/slide18.xml><?xml version="1.0" encoding="utf-8"?>
+<p:sld xmlns:a="http://schemas.openxmlformats.org/drawingml/2006/main" xmlns:r="http://schemas.openxmlformats.org/officeDocument/2006/relationships" xmlns:p="http://schemas.openxmlformats.org/presentationml/2006/main">
   <p:cSld>
     <p:spTree>
       <p:nvGrpSpPr>
@@ -12932,10 +13069,9 @@
           <a:lstStyle/>
           <a:p>
             <a:r>
-              <a:rPr lang="en-US" altLang="nl-NL" dirty="0" smtClean="0"/>
-              <a:t>Aggregate colors</a:t>
-            </a:r>
-            <a:endParaRPr lang="en-US" altLang="nl-NL" dirty="0"/>
+              <a:rPr lang="en-US" altLang="nl-NL" dirty="0"/>
+              <a:t>Coloring dots</a:t>
+            </a:r>
           </a:p>
         </p:txBody>
       </p:sp>
@@ -13052,19 +13188,19 @@
   <p:clrMapOvr>
     <a:masterClrMapping/>
   </p:clrMapOvr>
-  <mc:AlternateContent xmlns:mc="http://schemas.openxmlformats.org/markup-compatibility/2006">
-    <mc:Choice xmlns:p14="http://schemas.microsoft.com/office/powerpoint/2010/main" Requires="p14">
+  <mc:AlternateContent xmlns:mc="http://schemas.openxmlformats.org/markup-compatibility/2006" xmlns:p14="http://schemas.microsoft.com/office/powerpoint/2010/main">
+    <mc:Choice Requires="p14">
       <p:transition spd="slow" p14:dur="2000"/>
     </mc:Choice>
-    <mc:Fallback>
+    <mc:Fallback xmlns="">
       <p:transition spd="slow"/>
     </mc:Fallback>
   </mc:AlternateContent>
 </p:sld>
 </file>
 
-<file path=ppt/slides/slide18.xml><?xml version="1.0" encoding="utf-8"?>
-<p:sld xmlns:a="http://schemas.openxmlformats.org/drawingml/2006/main" xmlns:r="http://schemas.openxmlformats.org/officeDocument/2006/relationships" xmlns:p="http://schemas.openxmlformats.org/presentationml/2006/main" show="0">
+<file path=ppt/slides/slide19.xml><?xml version="1.0" encoding="utf-8"?>
+<p:sld xmlns:a="http://schemas.openxmlformats.org/drawingml/2006/main" xmlns:r="http://schemas.openxmlformats.org/officeDocument/2006/relationships" xmlns:p="http://schemas.openxmlformats.org/presentationml/2006/main">
   <p:cSld>
     <p:spTree>
       <p:nvGrpSpPr>
@@ -13096,10 +13232,9 @@
           <a:lstStyle/>
           <a:p>
             <a:r>
-              <a:rPr lang="en-US" altLang="nl-NL" dirty="0" smtClean="0"/>
-              <a:t>Aggregate colors</a:t>
-            </a:r>
-            <a:endParaRPr lang="en-US" altLang="nl-NL" dirty="0"/>
+              <a:rPr lang="en-US" altLang="nl-NL" dirty="0"/>
+              <a:t>Coloring dots</a:t>
+            </a:r>
           </a:p>
         </p:txBody>
       </p:sp>
@@ -13205,171 +13340,11 @@
   <p:clrMapOvr>
     <a:masterClrMapping/>
   </p:clrMapOvr>
-  <mc:AlternateContent xmlns:mc="http://schemas.openxmlformats.org/markup-compatibility/2006">
-    <mc:Choice xmlns:p14="http://schemas.microsoft.com/office/powerpoint/2010/main" Requires="p14">
+  <mc:AlternateContent xmlns:mc="http://schemas.openxmlformats.org/markup-compatibility/2006" xmlns:p14="http://schemas.microsoft.com/office/powerpoint/2010/main">
+    <mc:Choice Requires="p14">
       <p:transition spd="slow" p14:dur="2000"/>
     </mc:Choice>
-    <mc:Fallback>
-      <p:transition spd="slow"/>
-    </mc:Fallback>
-  </mc:AlternateContent>
-</p:sld>
-</file>
-
-<file path=ppt/slides/slide19.xml><?xml version="1.0" encoding="utf-8"?>
-<p:sld xmlns:a="http://schemas.openxmlformats.org/drawingml/2006/main" xmlns:r="http://schemas.openxmlformats.org/officeDocument/2006/relationships" xmlns:p="http://schemas.openxmlformats.org/presentationml/2006/main" show="0">
-  <p:cSld>
-    <p:spTree>
-      <p:nvGrpSpPr>
-        <p:cNvPr id="1" name=""/>
-        <p:cNvGrpSpPr/>
-        <p:nvPr/>
-      </p:nvGrpSpPr>
-      <p:grpSpPr>
-        <a:xfrm>
-          <a:off x="0" y="0"/>
-          <a:ext cx="0" cy="0"/>
-          <a:chOff x="0" y="0"/>
-          <a:chExt cx="0" cy="0"/>
-        </a:xfrm>
-      </p:grpSpPr>
-      <p:sp>
-        <p:nvSpPr>
-          <p:cNvPr id="66562" name="Title 1"/>
-          <p:cNvSpPr>
-            <a:spLocks noGrp="1"/>
-          </p:cNvSpPr>
-          <p:nvPr>
-            <p:ph type="title"/>
-          </p:nvPr>
-        </p:nvSpPr>
-        <p:spPr/>
-        <p:txBody>
-          <a:bodyPr/>
-          <a:lstStyle/>
-          <a:p>
-            <a:r>
-              <a:rPr lang="en-US" altLang="nl-NL" dirty="0" smtClean="0"/>
-              <a:t>Aggregate colors</a:t>
-            </a:r>
-            <a:r>
-              <a:rPr lang="en-US" altLang="nl-NL" dirty="0" smtClean="0"/>
-              <a:t> </a:t>
-            </a:r>
-            <a:endParaRPr lang="en-US" altLang="nl-NL" dirty="0"/>
-          </a:p>
-        </p:txBody>
-      </p:sp>
-      <p:sp>
-        <p:nvSpPr>
-          <p:cNvPr id="66563" name="Content Placeholder 2"/>
-          <p:cNvSpPr>
-            <a:spLocks noGrp="1"/>
-          </p:cNvSpPr>
-          <p:nvPr>
-            <p:ph idx="1"/>
-          </p:nvPr>
-        </p:nvSpPr>
-        <p:spPr>
-          <a:xfrm>
-            <a:off x="611188" y="1600201"/>
-            <a:ext cx="7994650" cy="2332855"/>
-          </a:xfrm>
-        </p:spPr>
-        <p:txBody>
-          <a:bodyPr/>
-          <a:lstStyle/>
-          <a:p>
-            <a:pPr lvl="1"/>
-            <a:r>
-              <a:rPr lang="en-US" altLang="nl-NL" sz="2800" dirty="0" smtClean="0"/>
-              <a:t>Solution </a:t>
-            </a:r>
-            <a:r>
-              <a:rPr lang="en-US" altLang="nl-NL" sz="2800" dirty="0"/>
-              <a:t>3 (implemented)</a:t>
-            </a:r>
-          </a:p>
-          <a:p>
-            <a:pPr lvl="2"/>
-            <a:r>
-              <a:rPr lang="en-US" altLang="nl-NL" sz="1800" dirty="0">
-                <a:solidFill>
-                  <a:srgbClr val="FF0000"/>
-                </a:solidFill>
-              </a:rPr>
-              <a:t>50% green	/ root 60% green</a:t>
-            </a:r>
-          </a:p>
-          <a:p>
-            <a:pPr lvl="2"/>
-            <a:r>
-              <a:rPr lang="en-US" altLang="nl-NL" sz="1800" dirty="0"/>
-              <a:t>20% blue		/ root 15% blue</a:t>
-            </a:r>
-          </a:p>
-          <a:p>
-            <a:pPr lvl="2"/>
-            <a:r>
-              <a:rPr lang="en-US" altLang="nl-NL" sz="1800" dirty="0"/>
-              <a:t>10% red		/ root 10% red</a:t>
-            </a:r>
-          </a:p>
-          <a:p>
-            <a:pPr lvl="2"/>
-            <a:r>
-              <a:rPr lang="en-US" altLang="nl-NL" sz="1800" dirty="0"/>
-              <a:t>10% yellow	/ root 10% yellow</a:t>
-            </a:r>
-          </a:p>
-          <a:p>
-            <a:pPr lvl="2"/>
-            <a:r>
-              <a:rPr lang="en-US" altLang="nl-NL" sz="1800" dirty="0"/>
-              <a:t>10% black	/ root 5%black</a:t>
-            </a:r>
-          </a:p>
-        </p:txBody>
-      </p:sp>
-      <p:pic>
-        <p:nvPicPr>
-          <p:cNvPr id="3" name="Picture 2"/>
-          <p:cNvPicPr>
-            <a:picLocks noChangeAspect="1"/>
-          </p:cNvPicPr>
-          <p:nvPr/>
-        </p:nvPicPr>
-        <p:blipFill>
-          <a:blip r:embed="rId2"/>
-          <a:stretch>
-            <a:fillRect/>
-          </a:stretch>
-        </p:blipFill>
-        <p:spPr>
-          <a:xfrm>
-            <a:off x="1079612" y="4113076"/>
-            <a:ext cx="3312368" cy="2204559"/>
-          </a:xfrm>
-          <a:prstGeom prst="rect">
-            <a:avLst/>
-          </a:prstGeom>
-        </p:spPr>
-      </p:pic>
-    </p:spTree>
-    <p:extLst>
-      <p:ext uri="{BB962C8B-B14F-4D97-AF65-F5344CB8AC3E}">
-        <p14:creationId xmlns:p14="http://schemas.microsoft.com/office/powerpoint/2010/main" val="3318231435"/>
-      </p:ext>
-    </p:extLst>
-  </p:cSld>
-  <p:clrMapOvr>
-    <a:masterClrMapping/>
-  </p:clrMapOvr>
-  <mc:AlternateContent xmlns:mc="http://schemas.openxmlformats.org/markup-compatibility/2006">
-    <mc:Choice xmlns:p14="http://schemas.microsoft.com/office/powerpoint/2010/main" Requires="p14">
-      <p:transition spd="slow" p14:dur="2000"/>
-    </mc:Choice>
-    <mc:Fallback>
+    <mc:Fallback xmlns="">
       <p:transition spd="slow"/>
     </mc:Fallback>
   </mc:AlternateContent>
@@ -13462,7 +13437,6 @@
               <a:rPr lang="en-US" altLang="nl-NL" sz="2000" dirty="0" smtClean="0"/>
               <a:t>definition</a:t>
             </a:r>
-            <a:endParaRPr lang="en-US" altLang="nl-NL" sz="2000" dirty="0" smtClean="0"/>
           </a:p>
           <a:p>
             <a:r>
@@ -13497,6 +13471,162 @@
 </file>
 
 <file path=ppt/slides/slide20.xml><?xml version="1.0" encoding="utf-8"?>
+<p:sld xmlns:a="http://schemas.openxmlformats.org/drawingml/2006/main" xmlns:r="http://schemas.openxmlformats.org/officeDocument/2006/relationships" xmlns:p="http://schemas.openxmlformats.org/presentationml/2006/main">
+  <p:cSld>
+    <p:spTree>
+      <p:nvGrpSpPr>
+        <p:cNvPr id="1" name=""/>
+        <p:cNvGrpSpPr/>
+        <p:nvPr/>
+      </p:nvGrpSpPr>
+      <p:grpSpPr>
+        <a:xfrm>
+          <a:off x="0" y="0"/>
+          <a:ext cx="0" cy="0"/>
+          <a:chOff x="0" y="0"/>
+          <a:chExt cx="0" cy="0"/>
+        </a:xfrm>
+      </p:grpSpPr>
+      <p:sp>
+        <p:nvSpPr>
+          <p:cNvPr id="66562" name="Title 1"/>
+          <p:cNvSpPr>
+            <a:spLocks noGrp="1"/>
+          </p:cNvSpPr>
+          <p:nvPr>
+            <p:ph type="title"/>
+          </p:nvPr>
+        </p:nvSpPr>
+        <p:spPr/>
+        <p:txBody>
+          <a:bodyPr/>
+          <a:lstStyle/>
+          <a:p>
+            <a:r>
+              <a:rPr lang="en-US" altLang="nl-NL" dirty="0" smtClean="0"/>
+              <a:t>Coloring dots</a:t>
+            </a:r>
+            <a:endParaRPr lang="en-US" altLang="nl-NL" dirty="0"/>
+          </a:p>
+        </p:txBody>
+      </p:sp>
+      <p:sp>
+        <p:nvSpPr>
+          <p:cNvPr id="66563" name="Content Placeholder 2"/>
+          <p:cNvSpPr>
+            <a:spLocks noGrp="1"/>
+          </p:cNvSpPr>
+          <p:nvPr>
+            <p:ph idx="1"/>
+          </p:nvPr>
+        </p:nvSpPr>
+        <p:spPr>
+          <a:xfrm>
+            <a:off x="611188" y="1600201"/>
+            <a:ext cx="7994650" cy="2332855"/>
+          </a:xfrm>
+        </p:spPr>
+        <p:txBody>
+          <a:bodyPr/>
+          <a:lstStyle/>
+          <a:p>
+            <a:pPr lvl="1"/>
+            <a:r>
+              <a:rPr lang="en-US" altLang="nl-NL" sz="2800" dirty="0" smtClean="0"/>
+              <a:t>Solution </a:t>
+            </a:r>
+            <a:r>
+              <a:rPr lang="en-US" altLang="nl-NL" sz="2800" dirty="0"/>
+              <a:t>3 (implemented)</a:t>
+            </a:r>
+          </a:p>
+          <a:p>
+            <a:pPr lvl="2"/>
+            <a:r>
+              <a:rPr lang="en-US" altLang="nl-NL" sz="1800" dirty="0">
+                <a:solidFill>
+                  <a:srgbClr val="FF0000"/>
+                </a:solidFill>
+              </a:rPr>
+              <a:t>50% green	/ root 60% green</a:t>
+            </a:r>
+          </a:p>
+          <a:p>
+            <a:pPr lvl="2"/>
+            <a:r>
+              <a:rPr lang="en-US" altLang="nl-NL" sz="1800" dirty="0"/>
+              <a:t>20% blue		/ root 15% blue</a:t>
+            </a:r>
+          </a:p>
+          <a:p>
+            <a:pPr lvl="2"/>
+            <a:r>
+              <a:rPr lang="en-US" altLang="nl-NL" sz="1800" dirty="0"/>
+              <a:t>10% red		/ root 10% red</a:t>
+            </a:r>
+          </a:p>
+          <a:p>
+            <a:pPr lvl="2"/>
+            <a:r>
+              <a:rPr lang="en-US" altLang="nl-NL" sz="1800" dirty="0"/>
+              <a:t>10% yellow	/ root 10% yellow</a:t>
+            </a:r>
+          </a:p>
+          <a:p>
+            <a:pPr lvl="2"/>
+            <a:r>
+              <a:rPr lang="en-US" altLang="nl-NL" sz="1800" dirty="0"/>
+              <a:t>10% black	/ root 5%black</a:t>
+            </a:r>
+          </a:p>
+        </p:txBody>
+      </p:sp>
+      <p:pic>
+        <p:nvPicPr>
+          <p:cNvPr id="3" name="Picture 2"/>
+          <p:cNvPicPr>
+            <a:picLocks noChangeAspect="1"/>
+          </p:cNvPicPr>
+          <p:nvPr/>
+        </p:nvPicPr>
+        <p:blipFill>
+          <a:blip r:embed="rId2"/>
+          <a:stretch>
+            <a:fillRect/>
+          </a:stretch>
+        </p:blipFill>
+        <p:spPr>
+          <a:xfrm>
+            <a:off x="1079612" y="4113076"/>
+            <a:ext cx="3312368" cy="2204559"/>
+          </a:xfrm>
+          <a:prstGeom prst="rect">
+            <a:avLst/>
+          </a:prstGeom>
+        </p:spPr>
+      </p:pic>
+    </p:spTree>
+    <p:extLst>
+      <p:ext uri="{BB962C8B-B14F-4D97-AF65-F5344CB8AC3E}">
+        <p14:creationId xmlns:p14="http://schemas.microsoft.com/office/powerpoint/2010/main" val="3318231435"/>
+      </p:ext>
+    </p:extLst>
+  </p:cSld>
+  <p:clrMapOvr>
+    <a:masterClrMapping/>
+  </p:clrMapOvr>
+  <mc:AlternateContent xmlns:mc="http://schemas.openxmlformats.org/markup-compatibility/2006" xmlns:p14="http://schemas.microsoft.com/office/powerpoint/2010/main">
+    <mc:Choice Requires="p14">
+      <p:transition spd="slow" p14:dur="2000"/>
+    </mc:Choice>
+    <mc:Fallback xmlns="">
+      <p:transition spd="slow"/>
+    </mc:Fallback>
+  </mc:AlternateContent>
+</p:sld>
+</file>
+
+<file path=ppt/slides/slide21.xml><?xml version="1.0" encoding="utf-8"?>
 <p:sld xmlns:a="http://schemas.openxmlformats.org/drawingml/2006/main" xmlns:r="http://schemas.openxmlformats.org/officeDocument/2006/relationships" xmlns:p="http://schemas.openxmlformats.org/presentationml/2006/main" show="0">
   <p:cSld>
     <p:spTree>
@@ -13530,7 +13660,7 @@
           <a:p>
             <a:r>
               <a:rPr lang="en-US" altLang="nl-NL" dirty="0"/>
-              <a:t>Problems </a:t>
+              <a:t>Coloring dots</a:t>
             </a:r>
           </a:p>
         </p:txBody>
@@ -13648,179 +13778,14 @@
   <p:clrMapOvr>
     <a:masterClrMapping/>
   </p:clrMapOvr>
-  <mc:AlternateContent xmlns:mc="http://schemas.openxmlformats.org/markup-compatibility/2006">
-    <mc:Choice xmlns:p14="http://schemas.microsoft.com/office/powerpoint/2010/main" Requires="p14">
+  <mc:AlternateContent xmlns:mc="http://schemas.openxmlformats.org/markup-compatibility/2006" xmlns:p14="http://schemas.microsoft.com/office/powerpoint/2010/main">
+    <mc:Choice Requires="p14">
       <p:transition spd="slow" p14:dur="2000"/>
     </mc:Choice>
-    <mc:Fallback>
+    <mc:Fallback xmlns="">
       <p:transition spd="slow"/>
     </mc:Fallback>
   </mc:AlternateContent>
-</p:sld>
-</file>
-
-<file path=ppt/slides/slide21.xml><?xml version="1.0" encoding="utf-8"?>
-<p:sld xmlns:a="http://schemas.openxmlformats.org/drawingml/2006/main" xmlns:r="http://schemas.openxmlformats.org/officeDocument/2006/relationships" xmlns:p="http://schemas.openxmlformats.org/presentationml/2006/main">
-  <p:cSld>
-    <p:spTree>
-      <p:nvGrpSpPr>
-        <p:cNvPr id="1" name=""/>
-        <p:cNvGrpSpPr/>
-        <p:nvPr/>
-      </p:nvGrpSpPr>
-      <p:grpSpPr>
-        <a:xfrm>
-          <a:off x="0" y="0"/>
-          <a:ext cx="0" cy="0"/>
-          <a:chOff x="0" y="0"/>
-          <a:chExt cx="0" cy="0"/>
-        </a:xfrm>
-      </p:grpSpPr>
-      <p:sp>
-        <p:nvSpPr>
-          <p:cNvPr id="66562" name="Title 1"/>
-          <p:cNvSpPr>
-            <a:spLocks noGrp="1"/>
-          </p:cNvSpPr>
-          <p:nvPr>
-            <p:ph type="title"/>
-          </p:nvPr>
-        </p:nvSpPr>
-        <p:spPr/>
-        <p:txBody>
-          <a:bodyPr/>
-          <a:lstStyle/>
-          <a:p>
-            <a:r>
-              <a:rPr lang="en-US" altLang="nl-NL" dirty="0"/>
-              <a:t>Running time</a:t>
-            </a:r>
-          </a:p>
-        </p:txBody>
-      </p:sp>
-      <p:sp>
-        <p:nvSpPr>
-          <p:cNvPr id="66563" name="Content Placeholder 2"/>
-          <p:cNvSpPr>
-            <a:spLocks noGrp="1"/>
-          </p:cNvSpPr>
-          <p:nvPr>
-            <p:ph idx="1"/>
-          </p:nvPr>
-        </p:nvSpPr>
-        <p:spPr>
-          <a:xfrm>
-            <a:off x="611188" y="1600201"/>
-            <a:ext cx="7994650" cy="4025044"/>
-          </a:xfrm>
-        </p:spPr>
-        <p:txBody>
-          <a:bodyPr/>
-          <a:lstStyle/>
-          <a:p>
-            <a:pPr lvl="1"/>
-            <a:r>
-              <a:rPr lang="en-US" altLang="nl-NL" sz="2800" dirty="0"/>
-              <a:t>Radius of the dot  = O(1)</a:t>
-            </a:r>
-          </a:p>
-          <a:p>
-            <a:pPr lvl="1"/>
-            <a:r>
-              <a:rPr lang="en-US" altLang="nl-NL" sz="2800" dirty="0"/>
-              <a:t>How many people = 1 dot = O(1)</a:t>
-            </a:r>
-          </a:p>
-          <a:p>
-            <a:pPr lvl="1"/>
-            <a:r>
-              <a:rPr lang="en-US" altLang="nl-NL" sz="2800" dirty="0"/>
-              <a:t>Where to place the dot = O(n)</a:t>
-            </a:r>
-          </a:p>
-          <a:p>
-            <a:pPr lvl="2"/>
-            <a:r>
-              <a:rPr lang="en-US" altLang="nl-NL" sz="1800" dirty="0"/>
-              <a:t>Choose the middle point (O(1) </a:t>
-            </a:r>
-            <a:r>
-              <a:rPr lang="zh-CN" altLang="en-US" sz="1800" dirty="0"/>
-              <a:t>* </a:t>
-            </a:r>
-            <a:r>
-              <a:rPr lang="en-US" altLang="zh-CN" sz="1800" dirty="0"/>
-              <a:t>n</a:t>
-            </a:r>
-            <a:r>
-              <a:rPr lang="en-US" altLang="nl-NL" sz="1800" dirty="0"/>
-              <a:t>)</a:t>
-            </a:r>
-          </a:p>
-          <a:p>
-            <a:pPr lvl="2"/>
-            <a:r>
-              <a:rPr lang="en-US" altLang="nl-NL" sz="1800" dirty="0"/>
-              <a:t>Solve the overlap (O(n))</a:t>
-            </a:r>
-            <a:endParaRPr lang="en-US" altLang="nl-NL" sz="1800" dirty="0">
-              <a:solidFill>
-                <a:srgbClr val="FF0000"/>
-              </a:solidFill>
-            </a:endParaRPr>
-          </a:p>
-          <a:p>
-            <a:pPr lvl="1"/>
-            <a:r>
-              <a:rPr lang="en-US" altLang="nl-NL" sz="2800" dirty="0"/>
-              <a:t>Color of the dot = O(n)</a:t>
-            </a:r>
-          </a:p>
-          <a:p>
-            <a:pPr lvl="2"/>
-            <a:r>
-              <a:rPr lang="en-US" altLang="nl-NL" sz="1800" dirty="0"/>
-              <a:t>Solution 3 (O(n))</a:t>
-            </a:r>
-          </a:p>
-          <a:p>
-            <a:pPr lvl="1"/>
-            <a:r>
-              <a:rPr lang="en-US" altLang="nl-NL" sz="2800" dirty="0"/>
-              <a:t>Total running time = O(n^</a:t>
-            </a:r>
-            <a:r>
-              <a:rPr lang="en-US" altLang="zh-CN" sz="2800" dirty="0"/>
-              <a:t>2</a:t>
-            </a:r>
-            <a:r>
-              <a:rPr lang="en-US" altLang="nl-NL" sz="2800" dirty="0"/>
-              <a:t>)</a:t>
-            </a:r>
-          </a:p>
-          <a:p>
-            <a:pPr lvl="2"/>
-            <a:r>
-              <a:rPr lang="en-US" altLang="nl-NL" sz="1800" dirty="0"/>
-              <a:t>n = total number of people</a:t>
-            </a:r>
-          </a:p>
-          <a:p>
-            <a:pPr lvl="2"/>
-            <a:endParaRPr lang="en-US" altLang="nl-NL" sz="1800" dirty="0"/>
-          </a:p>
-        </p:txBody>
-      </p:sp>
-    </p:spTree>
-    <p:extLst>
-      <p:ext uri="{BB962C8B-B14F-4D97-AF65-F5344CB8AC3E}">
-        <p14:creationId xmlns:p14="http://schemas.microsoft.com/office/powerpoint/2010/main" val="1868917812"/>
-      </p:ext>
-    </p:extLst>
-  </p:cSld>
-  <p:clrMapOvr>
-    <a:masterClrMapping/>
-  </p:clrMapOvr>
 </p:sld>
 </file>
 
@@ -13858,15 +13823,128 @@
           <a:p>
             <a:r>
               <a:rPr lang="en-US" altLang="nl-NL" dirty="0"/>
-              <a:t>Demo</a:t>
-            </a:r>
+              <a:t>Running time</a:t>
+            </a:r>
+          </a:p>
+        </p:txBody>
+      </p:sp>
+      <p:sp>
+        <p:nvSpPr>
+          <p:cNvPr id="66563" name="Content Placeholder 2"/>
+          <p:cNvSpPr>
+            <a:spLocks noGrp="1"/>
+          </p:cNvSpPr>
+          <p:nvPr>
+            <p:ph idx="1"/>
+          </p:nvPr>
+        </p:nvSpPr>
+        <p:spPr>
+          <a:xfrm>
+            <a:off x="611188" y="1600201"/>
+            <a:ext cx="7994650" cy="4025044"/>
+          </a:xfrm>
+        </p:spPr>
+        <p:txBody>
+          <a:bodyPr/>
+          <a:lstStyle/>
+          <a:p>
+            <a:pPr lvl="1"/>
+            <a:r>
+              <a:rPr lang="en-US" altLang="nl-NL" sz="2800" dirty="0"/>
+              <a:t>Radius of the dot  = O(1)</a:t>
+            </a:r>
+          </a:p>
+          <a:p>
+            <a:pPr lvl="1"/>
+            <a:r>
+              <a:rPr lang="en-US" altLang="nl-NL" sz="2800" dirty="0"/>
+              <a:t>How many people = 1 dot = O(1)</a:t>
+            </a:r>
+          </a:p>
+          <a:p>
+            <a:pPr lvl="1"/>
+            <a:r>
+              <a:rPr lang="en-US" altLang="nl-NL" sz="2800" dirty="0"/>
+              <a:t>Where to place the dot = O(n)</a:t>
+            </a:r>
+          </a:p>
+          <a:p>
+            <a:pPr lvl="2"/>
+            <a:r>
+              <a:rPr lang="en-US" altLang="nl-NL" sz="1800" dirty="0"/>
+              <a:t>Choose the middle point (O(1) </a:t>
+            </a:r>
+            <a:r>
+              <a:rPr lang="zh-CN" altLang="en-US" sz="1800" dirty="0"/>
+              <a:t>* </a:t>
+            </a:r>
+            <a:r>
+              <a:rPr lang="en-US" altLang="zh-CN" sz="1800" dirty="0"/>
+              <a:t>n</a:t>
+            </a:r>
+            <a:r>
+              <a:rPr lang="en-US" altLang="nl-NL" sz="1800" dirty="0"/>
+              <a:t>)</a:t>
+            </a:r>
+          </a:p>
+          <a:p>
+            <a:pPr lvl="2"/>
+            <a:r>
+              <a:rPr lang="en-US" altLang="nl-NL" sz="1800" dirty="0"/>
+              <a:t>Solve the overlap (O(n))</a:t>
+            </a:r>
+            <a:endParaRPr lang="en-US" altLang="nl-NL" sz="1800" dirty="0">
+              <a:solidFill>
+                <a:srgbClr val="FF0000"/>
+              </a:solidFill>
+            </a:endParaRPr>
+          </a:p>
+          <a:p>
+            <a:pPr lvl="1"/>
+            <a:r>
+              <a:rPr lang="en-US" altLang="nl-NL" sz="2800" dirty="0"/>
+              <a:t>Color of the dot = O(n)</a:t>
+            </a:r>
+          </a:p>
+          <a:p>
+            <a:pPr lvl="2"/>
+            <a:r>
+              <a:rPr lang="en-US" altLang="nl-NL" sz="1800" dirty="0"/>
+              <a:t>Solution 3 (O(n))</a:t>
+            </a:r>
+          </a:p>
+          <a:p>
+            <a:pPr lvl="1"/>
+            <a:r>
+              <a:rPr lang="en-US" altLang="nl-NL" sz="2800" dirty="0"/>
+              <a:t>Total running time = O(n^</a:t>
+            </a:r>
+            <a:r>
+              <a:rPr lang="en-US" altLang="zh-CN" sz="2800" dirty="0"/>
+              <a:t>2</a:t>
+            </a:r>
+            <a:r>
+              <a:rPr lang="en-US" altLang="nl-NL" sz="2800" dirty="0"/>
+              <a:t>)</a:t>
+            </a:r>
+          </a:p>
+          <a:p>
+            <a:pPr lvl="2"/>
+            <a:r>
+              <a:rPr lang="en-US" altLang="nl-NL" sz="1800" dirty="0"/>
+              <a:t>n = total number of people</a:t>
+            </a:r>
+          </a:p>
+          <a:p>
+            <a:pPr lvl="2"/>
+            <a:endParaRPr lang="en-US" altLang="nl-NL" sz="1800" dirty="0"/>
           </a:p>
         </p:txBody>
       </p:sp>
     </p:spTree>
     <p:extLst>
       <p:ext uri="{BB962C8B-B14F-4D97-AF65-F5344CB8AC3E}">
-        <p14:creationId xmlns:p14="http://schemas.microsoft.com/office/powerpoint/2010/main" val="491528343"/>
+        <p14:creationId xmlns:p14="http://schemas.microsoft.com/office/powerpoint/2010/main" val="1868917812"/>
       </p:ext>
     </p:extLst>
   </p:cSld>
@@ -13910,54 +13988,7 @@
           <a:p>
             <a:r>
               <a:rPr lang="en-US" altLang="nl-NL" dirty="0"/>
-              <a:t>Constraints</a:t>
-            </a:r>
-          </a:p>
-        </p:txBody>
-      </p:sp>
-      <p:sp>
-        <p:nvSpPr>
-          <p:cNvPr id="66563" name="Content Placeholder 2"/>
-          <p:cNvSpPr>
-            <a:spLocks noGrp="1"/>
-          </p:cNvSpPr>
-          <p:nvPr>
-            <p:ph idx="1"/>
-          </p:nvPr>
-        </p:nvSpPr>
-        <p:spPr>
-          <a:xfrm>
-            <a:off x="611188" y="1600200"/>
-            <a:ext cx="7994650" cy="4349079"/>
-          </a:xfrm>
-        </p:spPr>
-        <p:txBody>
-          <a:bodyPr/>
-          <a:lstStyle/>
-          <a:p>
-            <a:r>
-              <a:rPr lang="en-US" altLang="nl-NL" sz="2000" dirty="0"/>
-              <a:t>Data generation is slow O(N), where N = total number of people.</a:t>
-            </a:r>
-          </a:p>
-          <a:p>
-            <a:pPr lvl="1"/>
-            <a:r>
-              <a:rPr lang="en-US" altLang="nl-NL" sz="1800" dirty="0"/>
-              <a:t>One time only, as long as the data.txt is not deleted.</a:t>
-            </a:r>
-          </a:p>
-          <a:p>
-            <a:r>
-              <a:rPr lang="en-US" altLang="nl-NL" sz="2000" dirty="0"/>
-              <a:t>Aggregation algorithm’s worst case Running time is O(N^3), where N = total number of people.</a:t>
-            </a:r>
-          </a:p>
-          <a:p>
-            <a:pPr lvl="1"/>
-            <a:r>
-              <a:rPr lang="en-US" altLang="nl-NL" sz="1800" dirty="0"/>
-              <a:t>Each time when the proposition (number of people to 1 dot) changes.</a:t>
+              <a:t>Demo</a:t>
             </a:r>
           </a:p>
         </p:txBody>
@@ -13965,7 +13996,7 @@
     </p:spTree>
     <p:extLst>
       <p:ext uri="{BB962C8B-B14F-4D97-AF65-F5344CB8AC3E}">
-        <p14:creationId xmlns:p14="http://schemas.microsoft.com/office/powerpoint/2010/main" val="216843196"/>
+        <p14:creationId xmlns:p14="http://schemas.microsoft.com/office/powerpoint/2010/main" val="491528343"/>
       </p:ext>
     </p:extLst>
   </p:cSld>
@@ -14026,6 +14057,105 @@
         </p:nvSpPr>
         <p:spPr>
           <a:xfrm>
+            <a:off x="611188" y="1600200"/>
+            <a:ext cx="7994650" cy="4349079"/>
+          </a:xfrm>
+        </p:spPr>
+        <p:txBody>
+          <a:bodyPr/>
+          <a:lstStyle/>
+          <a:p>
+            <a:r>
+              <a:rPr lang="en-US" altLang="nl-NL" sz="2000" dirty="0"/>
+              <a:t>Data generation is slow O(N), where N = total number of people.</a:t>
+            </a:r>
+          </a:p>
+          <a:p>
+            <a:pPr lvl="1"/>
+            <a:r>
+              <a:rPr lang="en-US" altLang="nl-NL" sz="1800" dirty="0"/>
+              <a:t>One time only, as long as the data.txt is not deleted.</a:t>
+            </a:r>
+          </a:p>
+          <a:p>
+            <a:r>
+              <a:rPr lang="en-US" altLang="nl-NL" sz="2000" dirty="0"/>
+              <a:t>Aggregation algorithm’s worst case Running time is O(N^3), where N = total number of people.</a:t>
+            </a:r>
+          </a:p>
+          <a:p>
+            <a:pPr lvl="1"/>
+            <a:r>
+              <a:rPr lang="en-US" altLang="nl-NL" sz="1800" dirty="0"/>
+              <a:t>Each time when the proposition (number of people to 1 dot) changes.</a:t>
+            </a:r>
+          </a:p>
+        </p:txBody>
+      </p:sp>
+    </p:spTree>
+    <p:extLst>
+      <p:ext uri="{BB962C8B-B14F-4D97-AF65-F5344CB8AC3E}">
+        <p14:creationId xmlns:p14="http://schemas.microsoft.com/office/powerpoint/2010/main" val="216843196"/>
+      </p:ext>
+    </p:extLst>
+  </p:cSld>
+  <p:clrMapOvr>
+    <a:masterClrMapping/>
+  </p:clrMapOvr>
+</p:sld>
+</file>
+
+<file path=ppt/slides/slide25.xml><?xml version="1.0" encoding="utf-8"?>
+<p:sld xmlns:a="http://schemas.openxmlformats.org/drawingml/2006/main" xmlns:r="http://schemas.openxmlformats.org/officeDocument/2006/relationships" xmlns:p="http://schemas.openxmlformats.org/presentationml/2006/main">
+  <p:cSld>
+    <p:spTree>
+      <p:nvGrpSpPr>
+        <p:cNvPr id="1" name=""/>
+        <p:cNvGrpSpPr/>
+        <p:nvPr/>
+      </p:nvGrpSpPr>
+      <p:grpSpPr>
+        <a:xfrm>
+          <a:off x="0" y="0"/>
+          <a:ext cx="0" cy="0"/>
+          <a:chOff x="0" y="0"/>
+          <a:chExt cx="0" cy="0"/>
+        </a:xfrm>
+      </p:grpSpPr>
+      <p:sp>
+        <p:nvSpPr>
+          <p:cNvPr id="66562" name="Title 1"/>
+          <p:cNvSpPr>
+            <a:spLocks noGrp="1"/>
+          </p:cNvSpPr>
+          <p:nvPr>
+            <p:ph type="title"/>
+          </p:nvPr>
+        </p:nvSpPr>
+        <p:spPr/>
+        <p:txBody>
+          <a:bodyPr/>
+          <a:lstStyle/>
+          <a:p>
+            <a:r>
+              <a:rPr lang="en-US" altLang="nl-NL" dirty="0"/>
+              <a:t>Constraints</a:t>
+            </a:r>
+          </a:p>
+        </p:txBody>
+      </p:sp>
+      <p:sp>
+        <p:nvSpPr>
+          <p:cNvPr id="66563" name="Content Placeholder 2"/>
+          <p:cNvSpPr>
+            <a:spLocks noGrp="1"/>
+          </p:cNvSpPr>
+          <p:nvPr>
+            <p:ph idx="1"/>
+          </p:nvPr>
+        </p:nvSpPr>
+        <p:spPr>
+          <a:xfrm>
             <a:off x="611188" y="1376772"/>
             <a:ext cx="7994650" cy="5481228"/>
           </a:xfrm>
@@ -14151,7 +14281,7 @@
 </p:sld>
 </file>
 
-<file path=ppt/slides/slide25.xml><?xml version="1.0" encoding="utf-8"?>
+<file path=ppt/slides/slide26.xml><?xml version="1.0" encoding="utf-8"?>
 <p:sld xmlns:a="http://schemas.openxmlformats.org/drawingml/2006/main" xmlns:r="http://schemas.openxmlformats.org/officeDocument/2006/relationships" xmlns:p="http://schemas.openxmlformats.org/presentationml/2006/main">
   <p:cSld>
     <p:spTree>
@@ -14312,7 +14442,7 @@
           <a:p>
             <a:r>
               <a:rPr lang="en-US" altLang="nl-NL" sz="2000" dirty="0" smtClean="0"/>
-              <a:t>Roughly 200,000 people</a:t>
+              <a:t>Roughly 300,000 people</a:t>
             </a:r>
           </a:p>
           <a:p>
@@ -14679,44 +14809,42 @@
           <a:p>
             <a:pPr lvl="1"/>
             <a:r>
-              <a:rPr lang="en-US" altLang="nl-NL" sz="2800" dirty="0"/>
+              <a:rPr lang="en-US" altLang="nl-NL" sz="2400" dirty="0"/>
               <a:t>Ratio of people per dot at zoom level</a:t>
             </a:r>
             <a:r>
-              <a:rPr lang="en-US" altLang="nl-NL" sz="2800" dirty="0" smtClean="0"/>
+              <a:rPr lang="en-US" altLang="nl-NL" sz="2400" dirty="0" smtClean="0"/>
               <a:t>.</a:t>
             </a:r>
-            <a:endParaRPr lang="en-US" altLang="nl-NL" sz="2800" dirty="0" smtClean="0"/>
           </a:p>
           <a:p>
             <a:pPr lvl="1"/>
             <a:r>
-              <a:rPr lang="en-US" altLang="nl-NL" sz="2800" dirty="0" smtClean="0"/>
+              <a:rPr lang="en-US" altLang="nl-NL" sz="2400" dirty="0" smtClean="0"/>
               <a:t>Splitting of dots into groups.</a:t>
             </a:r>
           </a:p>
           <a:p>
             <a:pPr lvl="1"/>
             <a:r>
-              <a:rPr lang="en-US" altLang="nl-NL" sz="2800" dirty="0" smtClean="0"/>
+              <a:rPr lang="en-US" altLang="nl-NL" sz="2400" dirty="0" smtClean="0"/>
               <a:t>Size/radius of the dots.</a:t>
             </a:r>
           </a:p>
           <a:p>
             <a:pPr lvl="1"/>
             <a:r>
-              <a:rPr lang="en-US" altLang="nl-NL" sz="2800" dirty="0" smtClean="0"/>
+              <a:rPr lang="en-US" altLang="nl-NL" sz="2400" dirty="0" smtClean="0"/>
               <a:t>Location of the dots.</a:t>
             </a:r>
-            <a:endParaRPr lang="en-US" altLang="nl-NL" sz="2800" dirty="0" smtClean="0"/>
           </a:p>
           <a:p>
             <a:pPr lvl="1"/>
             <a:r>
-              <a:rPr lang="en-US" altLang="nl-NL" sz="2800" dirty="0" smtClean="0"/>
+              <a:rPr lang="en-US" altLang="nl-NL" sz="2400" dirty="0" smtClean="0"/>
               <a:t>Color of the dots.</a:t>
             </a:r>
-            <a:endParaRPr lang="en-US" altLang="nl-NL" sz="2800" dirty="0"/>
+            <a:endParaRPr lang="en-US" altLang="nl-NL" sz="2400" dirty="0"/>
           </a:p>
         </p:txBody>
       </p:sp>
@@ -14785,8 +14913,8 @@
         </p:nvSpPr>
         <p:spPr>
           <a:xfrm>
-            <a:off x="611188" y="1600201"/>
-            <a:ext cx="7994650" cy="4601107"/>
+            <a:off x="323528" y="1600201"/>
+            <a:ext cx="8282310" cy="4601107"/>
           </a:xfrm>
         </p:spPr>
         <p:txBody>
@@ -14798,7 +14926,7 @@
               <a:buChar char="•"/>
             </a:pPr>
             <a:r>
-              <a:rPr lang="en-US" altLang="nl-NL" sz="1800" dirty="0"/>
+              <a:rPr lang="en-US" altLang="nl-NL" sz="2000" dirty="0"/>
               <a:t>For better display, say we want the distance between each dot is at least 70 pixels.</a:t>
             </a:r>
           </a:p>
@@ -14808,7 +14936,7 @@
               <a:buChar char="•"/>
             </a:pPr>
             <a:r>
-              <a:rPr lang="en-US" altLang="nl-NL" sz="1800" dirty="0"/>
+              <a:rPr lang="en-US" altLang="nl-NL" sz="2000" dirty="0"/>
               <a:t>Then we would have at most (window width / 70 / zoom in level) * (window height / 70 / zoom in level)  = m dots.</a:t>
             </a:r>
           </a:p>
@@ -14818,7 +14946,7 @@
               <a:buChar char="•"/>
             </a:pPr>
             <a:r>
-              <a:rPr lang="en-US" altLang="nl-NL" sz="1800" dirty="0"/>
+              <a:rPr lang="en-US" altLang="nl-NL" sz="2000" dirty="0"/>
               <a:t>Let n = total number of people, then there would be roughly n / m people in each dot.</a:t>
             </a:r>
           </a:p>
@@ -14828,7 +14956,7 @@
               <a:buChar char="•"/>
             </a:pPr>
             <a:r>
-              <a:rPr lang="en-US" altLang="nl-NL" sz="1800" dirty="0"/>
+              <a:rPr lang="en-US" altLang="nl-NL" sz="2000" dirty="0"/>
               <a:t>We round the number, for instance, 12,390 will become 10,000; 103 will become 100 etc.</a:t>
             </a:r>
           </a:p>
@@ -14838,14 +14966,14 @@
               <a:buChar char="•"/>
             </a:pPr>
             <a:r>
-              <a:rPr lang="en-US" altLang="nl-NL" sz="1800" dirty="0"/>
+              <a:rPr lang="en-US" altLang="nl-NL" sz="2000" dirty="0"/>
               <a:t>We apply the rounded number to the aggregation algorithm</a:t>
             </a:r>
             <a:r>
-              <a:rPr lang="en-US" altLang="nl-NL" sz="1800" dirty="0" smtClean="0"/>
+              <a:rPr lang="en-US" altLang="nl-NL" sz="2000" dirty="0" smtClean="0"/>
               <a:t>.</a:t>
             </a:r>
-            <a:endParaRPr lang="en-US" altLang="nl-NL" sz="1800" dirty="0"/>
+            <a:endParaRPr lang="en-US" altLang="nl-NL" sz="2000" dirty="0"/>
           </a:p>
         </p:txBody>
       </p:sp>
@@ -14924,15 +15052,15 @@
           <a:p>
             <a:pPr lvl="1"/>
             <a:r>
-              <a:rPr lang="en-US" altLang="nl-NL" sz="2800" dirty="0" smtClean="0"/>
+              <a:rPr lang="en-US" altLang="nl-NL" sz="2400" dirty="0" smtClean="0"/>
               <a:t>Recursive algorithm that splits region into 4</a:t>
             </a:r>
             <a:r>
-              <a:rPr lang="en-US" altLang="nl-NL" sz="2800" dirty="0"/>
+              <a:rPr lang="en-US" altLang="nl-NL" sz="2400" dirty="0"/>
               <a:t> </a:t>
             </a:r>
             <a:r>
-              <a:rPr lang="en-US" altLang="nl-NL" sz="2800" dirty="0" smtClean="0"/>
+              <a:rPr lang="en-US" altLang="nl-NL" sz="2400" dirty="0" smtClean="0"/>
               <a:t>until the region has less or equal to the number of the group size.</a:t>
             </a:r>
           </a:p>

--- a/GA_Group7_DotMap Final Preposition.pptx
+++ b/GA_Group7_DotMap Final Preposition.pptx
@@ -11705,7 +11705,7 @@
               <a:t> </a:t>
             </a:r>
             <a:r>
-              <a:rPr lang="en-US" dirty="0" err="1" smtClean="0"/>
+              <a:rPr lang="en-US" dirty="0" err="1"/>
               <a:t>Petrova</a:t>
             </a:r>
             <a:endParaRPr lang="en-US" dirty="0"/>
@@ -11721,7 +11721,7 @@
               <a:t> </a:t>
             </a:r>
             <a:r>
-              <a:rPr lang="en-US" dirty="0" err="1" smtClean="0"/>
+              <a:rPr lang="en-US" dirty="0" err="1"/>
               <a:t>Stoica</a:t>
             </a:r>
             <a:endParaRPr lang="en-US" dirty="0"/>
@@ -11769,10 +11769,9 @@
           <a:lstStyle/>
           <a:p>
             <a:r>
-              <a:rPr lang="en-US" altLang="nl-NL" dirty="0" smtClean="0"/>
+              <a:rPr lang="en-US" altLang="nl-NL" dirty="0"/>
               <a:t>Splitting dots into groups</a:t>
             </a:r>
-            <a:endParaRPr lang="en-US" altLang="nl-NL" dirty="0"/>
           </a:p>
         </p:txBody>
       </p:sp>
@@ -11823,7 +11822,7 @@
           <a:p>
             <a:pPr lvl="2"/>
             <a:r>
-              <a:rPr lang="en-US" altLang="zh-CN" sz="1400" dirty="0" smtClean="0"/>
+              <a:rPr lang="en-US" altLang="zh-CN" sz="1400" dirty="0"/>
               <a:t>Number of dots of each cell need to reach the minimum percentage (20%) of the maximum number</a:t>
             </a:r>
             <a:endParaRPr lang="en-US" altLang="nl-NL" sz="1400" dirty="0"/>
@@ -11876,10 +11875,9 @@
           <a:lstStyle/>
           <a:p>
             <a:r>
-              <a:rPr lang="en-US" altLang="nl-NL" dirty="0" smtClean="0"/>
+              <a:rPr lang="en-US" altLang="nl-NL" dirty="0"/>
               <a:t>Size/radius of dots</a:t>
             </a:r>
-            <a:endParaRPr lang="en-US" altLang="nl-NL" dirty="0"/>
           </a:p>
         </p:txBody>
       </p:sp>
@@ -11959,11 +11957,7 @@
             </a:pPr>
             <a:r>
               <a:rPr lang="en-US" altLang="nl-NL" sz="1800" dirty="0"/>
-              <a:t>For better visibility, we give a minimum radius of the dot, for instance 4</a:t>
-            </a:r>
-            <a:r>
-              <a:rPr lang="en-US" altLang="nl-NL" sz="1800" dirty="0" smtClean="0"/>
-              <a:t>.</a:t>
+              <a:t>For better visibility, we give a minimum radius of the dot, for instance 4.</a:t>
             </a:r>
             <a:endParaRPr lang="en-US" altLang="nl-NL" sz="2800" dirty="0"/>
           </a:p>
@@ -12015,10 +12009,9 @@
           <a:lstStyle/>
           <a:p>
             <a:r>
-              <a:rPr lang="en-US" altLang="nl-NL" dirty="0" smtClean="0"/>
+              <a:rPr lang="en-US" altLang="nl-NL" dirty="0"/>
               <a:t>Location of dots</a:t>
             </a:r>
-            <a:endParaRPr lang="en-US" altLang="nl-NL" dirty="0"/>
           </a:p>
         </p:txBody>
       </p:sp>
@@ -12047,7 +12040,7 @@
               <a:buChar char="•"/>
             </a:pPr>
             <a:r>
-              <a:rPr lang="en-US" altLang="nl-NL" sz="2400" dirty="0" smtClean="0"/>
+              <a:rPr lang="en-US" altLang="nl-NL" sz="2400" dirty="0"/>
               <a:t>Location</a:t>
             </a:r>
           </a:p>
@@ -12057,7 +12050,7 @@
               <a:buChar char="•"/>
             </a:pPr>
             <a:r>
-              <a:rPr lang="en-US" altLang="nl-NL" sz="2400" dirty="0" smtClean="0"/>
+              <a:rPr lang="en-US" altLang="nl-NL" sz="2400" dirty="0"/>
               <a:t>Overlapping solution</a:t>
             </a:r>
           </a:p>
@@ -12116,10 +12109,9 @@
           <a:lstStyle/>
           <a:p>
             <a:r>
-              <a:rPr lang="en-US" altLang="nl-NL" dirty="0" smtClean="0"/>
+              <a:rPr lang="en-US" altLang="nl-NL" dirty="0"/>
               <a:t>Location of dots</a:t>
             </a:r>
-            <a:endParaRPr lang="en-US" altLang="nl-NL" dirty="0"/>
           </a:p>
         </p:txBody>
       </p:sp>
@@ -12146,13 +12138,8 @@
             <a:pPr lvl="1"/>
             <a:r>
               <a:rPr lang="en-US" altLang="nl-NL" sz="2400" dirty="0"/>
-              <a:t>Where to place the </a:t>
-            </a:r>
-            <a:r>
-              <a:rPr lang="en-US" altLang="nl-NL" sz="2400" dirty="0" smtClean="0"/>
-              <a:t>dot.</a:t>
-            </a:r>
-            <a:endParaRPr lang="en-US" altLang="nl-NL" sz="2400" dirty="0"/>
+              <a:t>Where to place the dot.</a:t>
+            </a:r>
           </a:p>
           <a:p>
             <a:pPr lvl="2"/>
@@ -12231,10 +12218,9 @@
           <a:lstStyle/>
           <a:p>
             <a:r>
-              <a:rPr lang="en-US" altLang="nl-NL" dirty="0" smtClean="0"/>
+              <a:rPr lang="en-US" altLang="nl-NL" dirty="0"/>
               <a:t>Location of dots</a:t>
             </a:r>
-            <a:endParaRPr lang="en-US" altLang="nl-NL" dirty="0"/>
           </a:p>
         </p:txBody>
       </p:sp>
@@ -12263,12 +12249,8 @@
               <a:buChar char="•"/>
             </a:pPr>
             <a:r>
-              <a:rPr lang="en-US" altLang="zh-CN" sz="2800" dirty="0" smtClean="0"/>
-              <a:t>Solve </a:t>
-            </a:r>
-            <a:r>
               <a:rPr lang="en-US" altLang="zh-CN" sz="2800" dirty="0"/>
-              <a:t>the overlapping</a:t>
+              <a:t>Solve the overlapping</a:t>
             </a:r>
             <a:endParaRPr lang="en-US" altLang="nl-NL" sz="2800" dirty="0"/>
           </a:p>
@@ -12344,10 +12326,9 @@
           <a:lstStyle/>
           <a:p>
             <a:r>
-              <a:rPr lang="en-US" altLang="nl-NL" dirty="0" smtClean="0"/>
+              <a:rPr lang="en-US" altLang="nl-NL" dirty="0"/>
               <a:t>Coloring dots</a:t>
             </a:r>
-            <a:endParaRPr lang="en-US" altLang="nl-NL" dirty="0"/>
           </a:p>
         </p:txBody>
       </p:sp>
@@ -12376,7 +12357,7 @@
               <a:buChar char="•"/>
             </a:pPr>
             <a:r>
-              <a:rPr lang="en-US" altLang="nl-NL" sz="2400" dirty="0" smtClean="0"/>
+              <a:rPr lang="en-US" altLang="nl-NL" sz="2400" dirty="0"/>
               <a:t>Choosing color palette</a:t>
             </a:r>
           </a:p>
@@ -12386,7 +12367,7 @@
               <a:buChar char="•"/>
             </a:pPr>
             <a:r>
-              <a:rPr lang="en-US" altLang="nl-NL" sz="2400" dirty="0" smtClean="0"/>
+              <a:rPr lang="en-US" altLang="nl-NL" sz="2400" dirty="0"/>
               <a:t>Several solutions depending on ratios</a:t>
             </a:r>
           </a:p>
@@ -12409,14 +12390,6 @@
   <p:clrMapOvr>
     <a:masterClrMapping/>
   </p:clrMapOvr>
-  <mc:AlternateContent xmlns:mc="http://schemas.openxmlformats.org/markup-compatibility/2006" xmlns:p14="http://schemas.microsoft.com/office/powerpoint/2010/main">
-    <mc:Choice Requires="p14">
-      <p:transition spd="slow" p14:dur="2000"/>
-    </mc:Choice>
-    <mc:Fallback xmlns="">
-      <p:transition spd="slow"/>
-    </mc:Fallback>
-  </mc:AlternateContent>
 </p:sld>
 </file>
 
@@ -12453,15 +12426,14 @@
           <a:lstStyle/>
           <a:p>
             <a:r>
-              <a:rPr lang="en-US" altLang="nl-NL" dirty="0" smtClean="0"/>
+              <a:rPr lang="en-US" altLang="nl-NL" dirty="0"/>
               <a:t>Choosing color palette </a:t>
             </a:r>
-            <a:endParaRPr lang="en-US" altLang="nl-NL" dirty="0"/>
-          </a:p>
-        </p:txBody>
-      </p:sp>
-      <mc:AlternateContent xmlns:mc="http://schemas.openxmlformats.org/markup-compatibility/2006">
-        <mc:Choice xmlns:a14="http://schemas.microsoft.com/office/drawing/2010/main" Requires="a14">
+          </a:p>
+        </p:txBody>
+      </p:sp>
+      <mc:AlternateContent xmlns:mc="http://schemas.openxmlformats.org/markup-compatibility/2006" xmlns:a14="http://schemas.microsoft.com/office/drawing/2010/main">
+        <mc:Choice Requires="a14">
           <p:sp>
             <p:nvSpPr>
               <p:cNvPr id="66563" name="Content Placeholder 2"/>
@@ -12726,7 +12698,7 @@
             </p:txBody>
           </p:sp>
         </mc:Choice>
-        <mc:Fallback>
+        <mc:Fallback xmlns="">
           <p:sp>
             <p:nvSpPr>
               <p:cNvPr id="66563" name="Content Placeholder 2"/>
@@ -12769,7 +12741,7 @@
           <p:cNvPr id="4" name="Picture 3">
             <a:extLst>
               <a:ext uri="{FF2B5EF4-FFF2-40B4-BE49-F238E27FC236}">
-                <a16:creationId xmlns:a16="http://schemas.microsoft.com/office/drawing/2014/main" xmlns="" id="{FD054822-F023-4BCD-A593-E1581C64B41C}"/>
+                <a16:creationId xmlns:a16="http://schemas.microsoft.com/office/drawing/2014/main" id="{FD054822-F023-4BCD-A593-E1581C64B41C}"/>
               </a:ext>
             </a:extLst>
           </p:cNvPr>
@@ -12810,14 +12782,6 @@
   <p:clrMapOvr>
     <a:masterClrMapping/>
   </p:clrMapOvr>
-  <mc:AlternateContent xmlns:mc="http://schemas.openxmlformats.org/markup-compatibility/2006" xmlns:p14="http://schemas.microsoft.com/office/powerpoint/2010/main">
-    <mc:Choice Requires="p14">
-      <p:transition spd="slow" p14:dur="2000"/>
-    </mc:Choice>
-    <mc:Fallback xmlns="">
-      <p:transition spd="slow"/>
-    </mc:Fallback>
-  </mc:AlternateContent>
 </p:sld>
 </file>
 
@@ -12854,10 +12818,9 @@
           <a:lstStyle/>
           <a:p>
             <a:r>
-              <a:rPr lang="en-US" altLang="nl-NL" dirty="0" smtClean="0"/>
+              <a:rPr lang="en-US" altLang="nl-NL" dirty="0"/>
               <a:t>Choosing color palette</a:t>
             </a:r>
-            <a:endParaRPr lang="en-US" altLang="nl-NL" dirty="0"/>
           </a:p>
         </p:txBody>
       </p:sp>
@@ -12866,7 +12829,7 @@
           <p:cNvPr id="6" name="Picture 5">
             <a:extLst>
               <a:ext uri="{FF2B5EF4-FFF2-40B4-BE49-F238E27FC236}">
-                <a16:creationId xmlns:a16="http://schemas.microsoft.com/office/drawing/2014/main" xmlns="" id="{EBCFBED3-52AC-4324-8B97-07BDE215B152}"/>
+                <a16:creationId xmlns:a16="http://schemas.microsoft.com/office/drawing/2014/main" id="{EBCFBED3-52AC-4324-8B97-07BDE215B152}"/>
               </a:ext>
             </a:extLst>
           </p:cNvPr>
@@ -12904,7 +12867,7 @@
               <p:cNvPr id="9" name="Content Placeholder 2">
                 <a:extLst>
                   <a:ext uri="{FF2B5EF4-FFF2-40B4-BE49-F238E27FC236}">
-                    <a16:creationId xmlns:a16="http://schemas.microsoft.com/office/drawing/2014/main" xmlns="" id="{5280423E-75A5-4B51-B75D-7AC85226A212}"/>
+                    <a16:creationId xmlns:a16="http://schemas.microsoft.com/office/drawing/2014/main" id="{5280423E-75A5-4B51-B75D-7AC85226A212}"/>
                   </a:ext>
                 </a:extLst>
               </p:cNvPr>
@@ -13025,14 +12988,6 @@
   <p:clrMapOvr>
     <a:masterClrMapping/>
   </p:clrMapOvr>
-  <mc:AlternateContent xmlns:mc="http://schemas.openxmlformats.org/markup-compatibility/2006" xmlns:p14="http://schemas.microsoft.com/office/powerpoint/2010/main">
-    <mc:Choice Requires="p14">
-      <p:transition spd="slow" p14:dur="2000"/>
-    </mc:Choice>
-    <mc:Fallback xmlns="">
-      <p:transition spd="slow"/>
-    </mc:Fallback>
-  </mc:AlternateContent>
 </p:sld>
 </file>
 
@@ -13098,15 +13053,7 @@
             <a:pPr lvl="1"/>
             <a:r>
               <a:rPr lang="en-US" altLang="nl-NL" sz="2800" dirty="0"/>
-              <a:t>S</a:t>
-            </a:r>
-            <a:r>
-              <a:rPr lang="en-US" altLang="nl-NL" sz="2800" dirty="0" smtClean="0"/>
-              <a:t>olution </a:t>
-            </a:r>
-            <a:r>
-              <a:rPr lang="en-US" altLang="nl-NL" sz="2800" dirty="0"/>
-              <a:t>1</a:t>
+              <a:t>Solution 1</a:t>
             </a:r>
           </a:p>
           <a:p>
@@ -13188,14 +13135,6 @@
   <p:clrMapOvr>
     <a:masterClrMapping/>
   </p:clrMapOvr>
-  <mc:AlternateContent xmlns:mc="http://schemas.openxmlformats.org/markup-compatibility/2006" xmlns:p14="http://schemas.microsoft.com/office/powerpoint/2010/main">
-    <mc:Choice Requires="p14">
-      <p:transition spd="slow" p14:dur="2000"/>
-    </mc:Choice>
-    <mc:Fallback xmlns="">
-      <p:transition spd="slow"/>
-    </mc:Fallback>
-  </mc:AlternateContent>
 </p:sld>
 </file>
 
@@ -13260,10 +13199,9 @@
           <a:p>
             <a:pPr lvl="1"/>
             <a:r>
-              <a:rPr lang="en-US" altLang="nl-NL" sz="2800" dirty="0" smtClean="0"/>
+              <a:rPr lang="en-US" altLang="nl-NL" sz="2800" dirty="0"/>
               <a:t>Solution 2</a:t>
             </a:r>
-            <a:endParaRPr lang="en-US" altLang="nl-NL" sz="2800" dirty="0"/>
           </a:p>
           <a:p>
             <a:pPr lvl="2"/>
@@ -13340,14 +13278,6 @@
   <p:clrMapOvr>
     <a:masterClrMapping/>
   </p:clrMapOvr>
-  <mc:AlternateContent xmlns:mc="http://schemas.openxmlformats.org/markup-compatibility/2006" xmlns:p14="http://schemas.microsoft.com/office/powerpoint/2010/main">
-    <mc:Choice Requires="p14">
-      <p:transition spd="slow" p14:dur="2000"/>
-    </mc:Choice>
-    <mc:Fallback xmlns="">
-      <p:transition spd="slow"/>
-    </mc:Fallback>
-  </mc:AlternateContent>
 </p:sld>
 </file>
 
@@ -13385,13 +13315,8 @@
           <a:p>
             <a:r>
               <a:rPr lang="en-US" altLang="nl-NL" dirty="0"/>
-              <a:t>C</a:t>
-            </a:r>
-            <a:r>
-              <a:rPr lang="en-US" altLang="nl-NL" dirty="0" smtClean="0"/>
-              <a:t>ontent</a:t>
-            </a:r>
-            <a:endParaRPr lang="en-US" altLang="nl-NL" dirty="0"/>
+              <a:t>Content</a:t>
+            </a:r>
           </a:p>
         </p:txBody>
       </p:sp>
@@ -13416,14 +13341,14 @@
           <a:lstStyle/>
           <a:p>
             <a:r>
-              <a:rPr lang="en-US" altLang="nl-NL" sz="2000" dirty="0" smtClean="0"/>
+              <a:rPr lang="en-US" altLang="nl-NL" sz="2000" dirty="0"/>
               <a:t>Introduction</a:t>
             </a:r>
           </a:p>
           <a:p>
             <a:pPr lvl="1"/>
             <a:r>
-              <a:rPr lang="en-US" altLang="nl-NL" sz="1800" smtClean="0"/>
+              <a:rPr lang="en-US" altLang="nl-NL" sz="1800"/>
               <a:t>Data generation</a:t>
             </a:r>
             <a:endParaRPr lang="en-US" altLang="nl-NL" sz="1600" dirty="0"/>
@@ -13431,29 +13356,20 @@
           <a:p>
             <a:r>
               <a:rPr lang="en-US" altLang="nl-NL" sz="2000" dirty="0"/>
-              <a:t>Problem </a:t>
-            </a:r>
-            <a:r>
-              <a:rPr lang="en-US" altLang="nl-NL" sz="2000" dirty="0" smtClean="0"/>
-              <a:t>definition</a:t>
-            </a:r>
-          </a:p>
-          <a:p>
-            <a:r>
-              <a:rPr lang="en-US" altLang="nl-NL" sz="2000" dirty="0" smtClean="0"/>
-              <a:t>Proposal </a:t>
-            </a:r>
+              <a:t>Problem definition</a:t>
+            </a:r>
+          </a:p>
+          <a:p>
             <a:r>
               <a:rPr lang="en-US" altLang="nl-NL" sz="2000" dirty="0"/>
-              <a:t>solutions</a:t>
-            </a:r>
-          </a:p>
-          <a:p>
-            <a:r>
-              <a:rPr lang="en-US" altLang="nl-NL" sz="2000" dirty="0" smtClean="0"/>
+              <a:t>Proposal solutions</a:t>
+            </a:r>
+          </a:p>
+          <a:p>
+            <a:r>
+              <a:rPr lang="en-US" altLang="nl-NL" sz="2000" dirty="0"/>
               <a:t>Constraints</a:t>
             </a:r>
-            <a:endParaRPr lang="en-US" altLang="nl-NL" sz="2000" dirty="0"/>
           </a:p>
         </p:txBody>
       </p:sp>
@@ -13503,10 +13419,9 @@
           <a:lstStyle/>
           <a:p>
             <a:r>
-              <a:rPr lang="en-US" altLang="nl-NL" dirty="0" smtClean="0"/>
+              <a:rPr lang="en-US" altLang="nl-NL" dirty="0"/>
               <a:t>Coloring dots</a:t>
             </a:r>
-            <a:endParaRPr lang="en-US" altLang="nl-NL" dirty="0"/>
           </a:p>
         </p:txBody>
       </p:sp>
@@ -13532,12 +13447,8 @@
           <a:p>
             <a:pPr lvl="1"/>
             <a:r>
-              <a:rPr lang="en-US" altLang="nl-NL" sz="2800" dirty="0" smtClean="0"/>
-              <a:t>Solution </a:t>
-            </a:r>
-            <a:r>
               <a:rPr lang="en-US" altLang="nl-NL" sz="2800" dirty="0"/>
-              <a:t>3 (implemented)</a:t>
+              <a:t>Solution 3 (implemented)</a:t>
             </a:r>
           </a:p>
           <a:p>
@@ -13615,14 +13526,6 @@
   <p:clrMapOvr>
     <a:masterClrMapping/>
   </p:clrMapOvr>
-  <mc:AlternateContent xmlns:mc="http://schemas.openxmlformats.org/markup-compatibility/2006" xmlns:p14="http://schemas.microsoft.com/office/powerpoint/2010/main">
-    <mc:Choice Requires="p14">
-      <p:transition spd="slow" p14:dur="2000"/>
-    </mc:Choice>
-    <mc:Fallback xmlns="">
-      <p:transition spd="slow"/>
-    </mc:Fallback>
-  </mc:AlternateContent>
 </p:sld>
 </file>
 
@@ -13688,15 +13591,7 @@
             <a:pPr lvl="1"/>
             <a:r>
               <a:rPr lang="en-US" altLang="nl-NL" sz="2800" dirty="0"/>
-              <a:t>S</a:t>
-            </a:r>
-            <a:r>
-              <a:rPr lang="en-US" altLang="nl-NL" sz="2800" dirty="0" smtClean="0"/>
-              <a:t>olution </a:t>
-            </a:r>
-            <a:r>
-              <a:rPr lang="en-US" altLang="nl-NL" sz="2800" dirty="0"/>
-              <a:t>4</a:t>
+              <a:t>Solution 4</a:t>
             </a:r>
           </a:p>
           <a:p>
@@ -13778,14 +13673,6 @@
   <p:clrMapOvr>
     <a:masterClrMapping/>
   </p:clrMapOvr>
-  <mc:AlternateContent xmlns:mc="http://schemas.openxmlformats.org/markup-compatibility/2006" xmlns:p14="http://schemas.microsoft.com/office/powerpoint/2010/main">
-    <mc:Choice Requires="p14">
-      <p:transition spd="slow" p14:dur="2000"/>
-    </mc:Choice>
-    <mc:Fallback xmlns="">
-      <p:transition spd="slow"/>
-    </mc:Fallback>
-  </mc:AlternateContent>
 </p:sld>
 </file>
 
@@ -14407,88 +14294,346 @@
           <a:lstStyle/>
           <a:p>
             <a:r>
-              <a:rPr lang="en-US" altLang="nl-NL" dirty="0" smtClean="0"/>
+              <a:rPr lang="en-US" altLang="nl-NL" dirty="0"/>
               <a:t>Introduction</a:t>
             </a:r>
-            <a:endParaRPr lang="en-US" altLang="nl-NL" dirty="0"/>
-          </a:p>
-        </p:txBody>
-      </p:sp>
-      <p:sp>
-        <p:nvSpPr>
-          <p:cNvPr id="66563" name="Content Placeholder 2"/>
-          <p:cNvSpPr>
-            <a:spLocks noGrp="1"/>
-          </p:cNvSpPr>
-          <p:nvPr>
-            <p:ph idx="1"/>
-          </p:nvPr>
-        </p:nvSpPr>
-        <p:spPr>
-          <a:xfrm>
-            <a:off x="611188" y="1600200"/>
-            <a:ext cx="7994650" cy="4673116"/>
-          </a:xfrm>
-        </p:spPr>
-        <p:txBody>
-          <a:bodyPr/>
-          <a:lstStyle/>
-          <a:p>
-            <a:r>
-              <a:rPr lang="en-US" altLang="nl-NL" sz="2000" dirty="0" smtClean="0"/>
-              <a:t>Map of Eindhoven</a:t>
-            </a:r>
-          </a:p>
-          <a:p>
-            <a:r>
-              <a:rPr lang="en-US" altLang="nl-NL" sz="2000" dirty="0" smtClean="0"/>
-              <a:t>Roughly 300,000 people</a:t>
-            </a:r>
-          </a:p>
-          <a:p>
-            <a:r>
-              <a:rPr lang="en-US" altLang="nl-NL" sz="2000" dirty="0" smtClean="0"/>
-              <a:t>Split into 5 groups based on origin:</a:t>
-            </a:r>
-            <a:endParaRPr lang="en-US" altLang="nl-NL" sz="2000" dirty="0"/>
-          </a:p>
-          <a:p>
-            <a:pPr lvl="1"/>
-            <a:r>
-              <a:rPr lang="en-US" altLang="nl-NL" sz="1800" dirty="0"/>
-              <a:t>West EU (60%, Green) </a:t>
-            </a:r>
-          </a:p>
-          <a:p>
-            <a:pPr lvl="1"/>
-            <a:r>
-              <a:rPr lang="en-US" altLang="nl-NL" sz="1800" dirty="0"/>
-              <a:t>North EU(15%, Blue) </a:t>
-            </a:r>
-          </a:p>
-          <a:p>
-            <a:pPr lvl="1"/>
-            <a:r>
-              <a:rPr lang="en-US" altLang="nl-NL" sz="1800" dirty="0"/>
-              <a:t>East EU (10%, Red)</a:t>
-            </a:r>
-          </a:p>
-          <a:p>
-            <a:pPr lvl="1"/>
-            <a:r>
-              <a:rPr lang="en-US" altLang="nl-NL" sz="1800" dirty="0"/>
-              <a:t>South EU (10%, Yellow)</a:t>
-            </a:r>
-          </a:p>
-          <a:p>
-            <a:pPr lvl="1"/>
-            <a:r>
-              <a:rPr lang="en-US" altLang="nl-NL" sz="1800" dirty="0"/>
-              <a:t>Non EU (5%, Black)</a:t>
-            </a:r>
-          </a:p>
-        </p:txBody>
-      </p:sp>
+          </a:p>
+        </p:txBody>
+      </p:sp>
+      <mc:AlternateContent xmlns:mc="http://schemas.openxmlformats.org/markup-compatibility/2006">
+        <mc:Choice xmlns:a14="http://schemas.microsoft.com/office/drawing/2010/main" Requires="a14">
+          <p:sp>
+            <p:nvSpPr>
+              <p:cNvPr id="66563" name="Content Placeholder 2"/>
+              <p:cNvSpPr>
+                <a:spLocks noGrp="1"/>
+              </p:cNvSpPr>
+              <p:nvPr>
+                <p:ph idx="1"/>
+              </p:nvPr>
+            </p:nvSpPr>
+            <p:spPr>
+              <a:xfrm>
+                <a:off x="611188" y="1600200"/>
+                <a:ext cx="7994650" cy="4673116"/>
+              </a:xfrm>
+            </p:spPr>
+            <p:txBody>
+              <a:bodyPr/>
+              <a:lstStyle/>
+              <a:p>
+                <a:r>
+                  <a:rPr lang="en-US" altLang="nl-NL" sz="2000" dirty="0"/>
+                  <a:t>Map </a:t>
+                </a:r>
+                <a14:m>
+                  <m:oMath xmlns:m="http://schemas.openxmlformats.org/officeDocument/2006/math">
+                    <m:r>
+                      <a:rPr lang="en-US" altLang="nl-NL" sz="2000" b="1" i="1" smtClean="0">
+                        <a:latin typeface="Cambria Math" panose="02040503050406030204" pitchFamily="18" charset="0"/>
+                      </a:rPr>
+                      <m:t>𝑴</m:t>
+                    </m:r>
+                    <m:r>
+                      <a:rPr lang="en-US" altLang="nl-NL" sz="2000" b="1" i="1" smtClean="0">
+                        <a:latin typeface="Cambria Math" panose="02040503050406030204" pitchFamily="18" charset="0"/>
+                      </a:rPr>
+                      <m:t>={</m:t>
+                    </m:r>
+                    <m:sSub>
+                      <m:sSubPr>
+                        <m:ctrlPr>
+                          <a:rPr lang="en-US" altLang="nl-NL" sz="2000" b="1" i="1" smtClean="0">
+                            <a:latin typeface="Cambria Math" panose="02040503050406030204" pitchFamily="18" charset="0"/>
+                          </a:rPr>
+                        </m:ctrlPr>
+                      </m:sSubPr>
+                      <m:e>
+                        <m:r>
+                          <a:rPr lang="en-US" altLang="nl-NL" sz="2000" b="1" i="1" smtClean="0">
+                            <a:latin typeface="Cambria Math" panose="02040503050406030204" pitchFamily="18" charset="0"/>
+                          </a:rPr>
+                          <m:t>𝒄</m:t>
+                        </m:r>
+                      </m:e>
+                      <m:sub>
+                        <m:r>
+                          <a:rPr lang="en-US" altLang="nl-NL" sz="2000" b="1" i="1" smtClean="0">
+                            <a:latin typeface="Cambria Math" panose="02040503050406030204" pitchFamily="18" charset="0"/>
+                          </a:rPr>
+                          <m:t>𝟏</m:t>
+                        </m:r>
+                      </m:sub>
+                    </m:sSub>
+                    <m:r>
+                      <a:rPr lang="en-US" altLang="nl-NL" sz="2000" b="1" i="1" smtClean="0">
+                        <a:latin typeface="Cambria Math" panose="02040503050406030204" pitchFamily="18" charset="0"/>
+                      </a:rPr>
+                      <m:t>… </m:t>
+                    </m:r>
+                    <m:sSub>
+                      <m:sSubPr>
+                        <m:ctrlPr>
+                          <a:rPr lang="en-US" altLang="nl-NL" sz="2000" b="1" i="1" smtClean="0">
+                            <a:latin typeface="Cambria Math" panose="02040503050406030204" pitchFamily="18" charset="0"/>
+                          </a:rPr>
+                        </m:ctrlPr>
+                      </m:sSubPr>
+                      <m:e>
+                        <m:r>
+                          <a:rPr lang="en-US" altLang="nl-NL" sz="2000" b="1" i="1" smtClean="0">
+                            <a:latin typeface="Cambria Math" panose="02040503050406030204" pitchFamily="18" charset="0"/>
+                          </a:rPr>
+                          <m:t>𝒄</m:t>
+                        </m:r>
+                      </m:e>
+                      <m:sub>
+                        <m:r>
+                          <a:rPr lang="en-US" altLang="nl-NL" sz="2000" b="1" i="1" smtClean="0">
+                            <a:latin typeface="Cambria Math" panose="02040503050406030204" pitchFamily="18" charset="0"/>
+                          </a:rPr>
+                          <m:t>𝒎</m:t>
+                        </m:r>
+                      </m:sub>
+                    </m:sSub>
+                    <m:r>
+                      <a:rPr lang="en-US" altLang="nl-NL" sz="2000" b="1" i="1" smtClean="0">
+                        <a:latin typeface="Cambria Math" panose="02040503050406030204" pitchFamily="18" charset="0"/>
+                      </a:rPr>
+                      <m:t>}</m:t>
+                    </m:r>
+                  </m:oMath>
+                </a14:m>
+                <a:r>
+                  <a:rPr lang="en-US" altLang="nl-NL" sz="2000" dirty="0"/>
+                  <a:t> of Eindhoven</a:t>
+                </a:r>
+              </a:p>
+              <a:p>
+                <a:r>
+                  <a:rPr lang="en-US" altLang="nl-NL" sz="2000" dirty="0"/>
+                  <a:t>Roughly 300,000 people</a:t>
+                </a:r>
+              </a:p>
+              <a:p>
+                <a:r>
+                  <a:rPr lang="en-US" altLang="nl-NL" sz="2000" dirty="0"/>
+                  <a:t>Split into </a:t>
+                </a:r>
+                <a14:m>
+                  <m:oMath xmlns:m="http://schemas.openxmlformats.org/officeDocument/2006/math">
+                    <m:r>
+                      <a:rPr lang="en-US" altLang="nl-NL" sz="2000" b="1" i="1" smtClean="0">
+                        <a:latin typeface="Cambria Math" panose="02040503050406030204" pitchFamily="18" charset="0"/>
+                      </a:rPr>
+                      <m:t>𝒌</m:t>
+                    </m:r>
+                    <m:r>
+                      <a:rPr lang="en-US" altLang="nl-NL" sz="2000" b="1" i="1" smtClean="0">
+                        <a:latin typeface="Cambria Math" panose="02040503050406030204" pitchFamily="18" charset="0"/>
+                      </a:rPr>
+                      <m:t>=</m:t>
+                    </m:r>
+                    <m:r>
+                      <a:rPr lang="en-US" altLang="nl-NL" sz="2000" b="1" i="1" smtClean="0">
+                        <a:latin typeface="Cambria Math" panose="02040503050406030204" pitchFamily="18" charset="0"/>
+                      </a:rPr>
+                      <m:t>𝟓</m:t>
+                    </m:r>
+                  </m:oMath>
+                </a14:m>
+                <a:r>
+                  <a:rPr lang="en-US" altLang="nl-NL" sz="2000" dirty="0"/>
+                  <a:t> groups based on origin:</a:t>
+                </a:r>
+              </a:p>
+              <a:p>
+                <a:pPr lvl="1"/>
+                <a:r>
+                  <a:rPr lang="en-US" altLang="nl-NL" sz="1800" dirty="0"/>
+                  <a:t>West EU (60%, Green) </a:t>
+                </a:r>
+              </a:p>
+              <a:p>
+                <a:pPr lvl="1"/>
+                <a:r>
+                  <a:rPr lang="en-US" altLang="nl-NL" sz="1800" dirty="0"/>
+                  <a:t>North EU(15%, Blue) </a:t>
+                </a:r>
+              </a:p>
+              <a:p>
+                <a:pPr lvl="1"/>
+                <a:r>
+                  <a:rPr lang="en-US" altLang="nl-NL" sz="1800" dirty="0"/>
+                  <a:t>East EU (10%, Red)</a:t>
+                </a:r>
+              </a:p>
+              <a:p>
+                <a:pPr lvl="1"/>
+                <a:r>
+                  <a:rPr lang="en-US" altLang="nl-NL" sz="1800" dirty="0"/>
+                  <a:t>South EU (10%, Yellow)</a:t>
+                </a:r>
+              </a:p>
+              <a:p>
+                <a:pPr lvl="1"/>
+                <a:r>
+                  <a:rPr lang="en-US" altLang="nl-NL" sz="1800" dirty="0"/>
+                  <a:t>Non EU (5%, Black)</a:t>
+                </a:r>
+              </a:p>
+              <a:p>
+                <a:r>
+                  <a:rPr lang="en-US" altLang="nl-NL" sz="2000" dirty="0"/>
+                  <a:t>Zoom level </a:t>
+                </a:r>
+                <a14:m>
+                  <m:oMath xmlns:m="http://schemas.openxmlformats.org/officeDocument/2006/math">
+                    <m:r>
+                      <a:rPr lang="en-US" altLang="nl-NL" sz="2000" b="1" i="1" smtClean="0">
+                        <a:latin typeface="Cambria Math" panose="02040503050406030204" pitchFamily="18" charset="0"/>
+                      </a:rPr>
+                      <m:t>𝒛</m:t>
+                    </m:r>
+                    <m:r>
+                      <a:rPr lang="en-US" altLang="nl-NL" sz="2000" b="1" i="1" smtClean="0">
+                        <a:latin typeface="Cambria Math" panose="02040503050406030204" pitchFamily="18" charset="0"/>
+                      </a:rPr>
+                      <m:t>, </m:t>
+                    </m:r>
+                    <m:sSub>
+                      <m:sSubPr>
+                        <m:ctrlPr>
+                          <a:rPr lang="en-US" altLang="nl-NL" sz="2000" b="1" i="1" smtClean="0">
+                            <a:latin typeface="Cambria Math" panose="02040503050406030204" pitchFamily="18" charset="0"/>
+                          </a:rPr>
+                        </m:ctrlPr>
+                      </m:sSubPr>
+                      <m:e>
+                        <m:r>
+                          <a:rPr lang="en-US" altLang="nl-NL" sz="2000" b="1" i="1" smtClean="0">
+                            <a:latin typeface="Cambria Math" panose="02040503050406030204" pitchFamily="18" charset="0"/>
+                          </a:rPr>
+                          <m:t>𝒛</m:t>
+                        </m:r>
+                      </m:e>
+                      <m:sub>
+                        <m:r>
+                          <a:rPr lang="en-US" altLang="nl-NL" sz="2000" b="1" i="1" smtClean="0">
+                            <a:latin typeface="Cambria Math" panose="02040503050406030204" pitchFamily="18" charset="0"/>
+                          </a:rPr>
+                          <m:t>𝒎𝒊𝒏</m:t>
+                        </m:r>
+                      </m:sub>
+                    </m:sSub>
+                    <m:r>
+                      <a:rPr lang="en-US" altLang="nl-NL" sz="2000" b="1" i="1" smtClean="0">
+                        <a:latin typeface="Cambria Math" panose="02040503050406030204" pitchFamily="18" charset="0"/>
+                      </a:rPr>
+                      <m:t> </m:t>
+                    </m:r>
+                    <m:r>
+                      <a:rPr lang="en-US" altLang="nl-NL" sz="2000" b="1" i="1" smtClean="0">
+                        <a:latin typeface="Cambria Math" panose="02040503050406030204" pitchFamily="18" charset="0"/>
+                        <a:ea typeface="Cambria Math" panose="02040503050406030204" pitchFamily="18" charset="0"/>
+                      </a:rPr>
+                      <m:t>≤</m:t>
+                    </m:r>
+                    <m:r>
+                      <a:rPr lang="en-US" altLang="nl-NL" sz="2000" b="1" i="1" smtClean="0">
+                        <a:latin typeface="Cambria Math" panose="02040503050406030204" pitchFamily="18" charset="0"/>
+                        <a:ea typeface="Cambria Math" panose="02040503050406030204" pitchFamily="18" charset="0"/>
+                      </a:rPr>
+                      <m:t>𝒛</m:t>
+                    </m:r>
+                    <m:r>
+                      <a:rPr lang="en-US" altLang="nl-NL" sz="2000" b="1" i="1" smtClean="0">
+                        <a:latin typeface="Cambria Math" panose="02040503050406030204" pitchFamily="18" charset="0"/>
+                        <a:ea typeface="Cambria Math" panose="02040503050406030204" pitchFamily="18" charset="0"/>
+                      </a:rPr>
+                      <m:t> ≤ </m:t>
+                    </m:r>
+                    <m:sSub>
+                      <m:sSubPr>
+                        <m:ctrlPr>
+                          <a:rPr lang="en-US" altLang="nl-NL" sz="2000" b="1" i="1" smtClean="0">
+                            <a:latin typeface="Cambria Math" panose="02040503050406030204" pitchFamily="18" charset="0"/>
+                            <a:ea typeface="Cambria Math" panose="02040503050406030204" pitchFamily="18" charset="0"/>
+                          </a:rPr>
+                        </m:ctrlPr>
+                      </m:sSubPr>
+                      <m:e>
+                        <m:r>
+                          <a:rPr lang="en-US" altLang="nl-NL" sz="2000" b="1" i="1" smtClean="0">
+                            <a:latin typeface="Cambria Math" panose="02040503050406030204" pitchFamily="18" charset="0"/>
+                            <a:ea typeface="Cambria Math" panose="02040503050406030204" pitchFamily="18" charset="0"/>
+                          </a:rPr>
+                          <m:t>𝒛</m:t>
+                        </m:r>
+                      </m:e>
+                      <m:sub>
+                        <m:r>
+                          <a:rPr lang="en-US" altLang="nl-NL" sz="2000" b="1" i="1" smtClean="0">
+                            <a:latin typeface="Cambria Math" panose="02040503050406030204" pitchFamily="18" charset="0"/>
+                            <a:ea typeface="Cambria Math" panose="02040503050406030204" pitchFamily="18" charset="0"/>
+                          </a:rPr>
+                          <m:t>𝒎𝒂𝒙</m:t>
+                        </m:r>
+                      </m:sub>
+                    </m:sSub>
+                  </m:oMath>
+                </a14:m>
+                <a:r>
+                  <a:rPr lang="en-US" altLang="nl-NL" sz="2000" dirty="0"/>
+                  <a:t>. Zoom level increases/decreases with 10% </a:t>
+                </a:r>
+                <a:r>
+                  <a:rPr lang="en-US" altLang="nl-NL" sz="2000"/>
+                  <a:t>each level.</a:t>
+                </a:r>
+                <a:endParaRPr lang="en-US" altLang="nl-NL" sz="2000" dirty="0"/>
+              </a:p>
+            </p:txBody>
+          </p:sp>
+        </mc:Choice>
+        <mc:Fallback>
+          <p:sp>
+            <p:nvSpPr>
+              <p:cNvPr id="66563" name="Content Placeholder 2"/>
+              <p:cNvSpPr>
+                <a:spLocks noGrp="1" noRot="1" noChangeAspect="1" noMove="1" noResize="1" noEditPoints="1" noAdjustHandles="1" noChangeArrowheads="1" noChangeShapeType="1" noTextEdit="1"/>
+              </p:cNvSpPr>
+              <p:nvPr>
+                <p:ph idx="1"/>
+              </p:nvPr>
+            </p:nvSpPr>
+            <p:spPr>
+              <a:xfrm>
+                <a:off x="611188" y="1600200"/>
+                <a:ext cx="7994650" cy="4673116"/>
+              </a:xfrm>
+              <a:blipFill>
+                <a:blip r:embed="rId2"/>
+                <a:stretch>
+                  <a:fillRect l="-1829" t="-1567" r="-1753"/>
+                </a:stretch>
+              </a:blipFill>
+            </p:spPr>
+            <p:txBody>
+              <a:bodyPr/>
+              <a:lstStyle/>
+              <a:p>
+                <a:r>
+                  <a:rPr lang="en-US">
+                    <a:noFill/>
+                  </a:rPr>
+                  <a:t> </a:t>
+                </a:r>
+              </a:p>
+            </p:txBody>
+          </p:sp>
+        </mc:Fallback>
+      </mc:AlternateContent>
     </p:spTree>
     <p:extLst>
       <p:ext uri="{BB962C8B-B14F-4D97-AF65-F5344CB8AC3E}">
@@ -14535,10 +14680,9 @@
           <a:lstStyle/>
           <a:p>
             <a:r>
-              <a:rPr lang="en-US" altLang="nl-NL" dirty="0" smtClean="0"/>
+              <a:rPr lang="en-US" altLang="nl-NL" dirty="0"/>
               <a:t>Data generation</a:t>
             </a:r>
-            <a:endParaRPr lang="en-US" altLang="nl-NL" dirty="0"/>
           </a:p>
         </p:txBody>
       </p:sp>
@@ -14563,19 +14707,19 @@
           <a:lstStyle/>
           <a:p>
             <a:r>
-              <a:rPr lang="en-US" altLang="nl-NL" sz="2000" dirty="0" smtClean="0"/>
+              <a:rPr lang="en-US" altLang="nl-NL" sz="2000" dirty="0"/>
               <a:t>Randomly generated data</a:t>
             </a:r>
           </a:p>
           <a:p>
             <a:r>
-              <a:rPr lang="en-US" altLang="nl-NL" sz="2000" dirty="0" smtClean="0"/>
+              <a:rPr lang="en-US" altLang="nl-NL" sz="2000" dirty="0"/>
               <a:t>Placement of dots inside regions of the map</a:t>
             </a:r>
           </a:p>
           <a:p>
             <a:r>
-              <a:rPr lang="en-US" altLang="nl-NL" sz="2000" dirty="0" smtClean="0"/>
+              <a:rPr lang="en-US" altLang="nl-NL" sz="2000" dirty="0"/>
               <a:t>Regions with higher population density have higher priority</a:t>
             </a:r>
             <a:endParaRPr lang="en-US" altLang="nl-NL" sz="1800" dirty="0"/>
@@ -14780,10 +14924,9 @@
           <a:lstStyle/>
           <a:p>
             <a:r>
-              <a:rPr lang="en-US" altLang="nl-NL" dirty="0" smtClean="0"/>
+              <a:rPr lang="en-US" altLang="nl-NL" dirty="0"/>
               <a:t>Problem definition</a:t>
             </a:r>
-            <a:endParaRPr lang="en-US" altLang="nl-NL" dirty="0"/>
           </a:p>
         </p:txBody>
       </p:sp>
@@ -14810,41 +14953,36 @@
             <a:pPr lvl="1"/>
             <a:r>
               <a:rPr lang="en-US" altLang="nl-NL" sz="2400" dirty="0"/>
-              <a:t>Ratio of people per dot at zoom level</a:t>
-            </a:r>
-            <a:r>
-              <a:rPr lang="en-US" altLang="nl-NL" sz="2400" dirty="0" smtClean="0"/>
-              <a:t>.</a:t>
+              <a:t>Ratio of people per dot at zoom level.</a:t>
             </a:r>
           </a:p>
           <a:p>
             <a:pPr lvl="1"/>
             <a:r>
-              <a:rPr lang="en-US" altLang="nl-NL" sz="2400" dirty="0" smtClean="0"/>
+              <a:rPr lang="en-US" altLang="nl-NL" sz="2400" dirty="0"/>
               <a:t>Splitting of dots into groups.</a:t>
             </a:r>
           </a:p>
           <a:p>
             <a:pPr lvl="1"/>
             <a:r>
-              <a:rPr lang="en-US" altLang="nl-NL" sz="2400" dirty="0" smtClean="0"/>
+              <a:rPr lang="en-US" altLang="nl-NL" sz="2400" dirty="0"/>
               <a:t>Size/radius of the dots.</a:t>
             </a:r>
           </a:p>
           <a:p>
             <a:pPr lvl="1"/>
             <a:r>
-              <a:rPr lang="en-US" altLang="nl-NL" sz="2400" dirty="0" smtClean="0"/>
+              <a:rPr lang="en-US" altLang="nl-NL" sz="2400" dirty="0"/>
               <a:t>Location of the dots.</a:t>
             </a:r>
           </a:p>
           <a:p>
             <a:pPr lvl="1"/>
             <a:r>
-              <a:rPr lang="en-US" altLang="nl-NL" sz="2400" dirty="0" smtClean="0"/>
+              <a:rPr lang="en-US" altLang="nl-NL" sz="2400" dirty="0"/>
               <a:t>Color of the dots.</a:t>
             </a:r>
-            <a:endParaRPr lang="en-US" altLang="nl-NL" sz="2400" dirty="0"/>
           </a:p>
         </p:txBody>
       </p:sp>
@@ -14894,10 +15032,9 @@
           <a:lstStyle/>
           <a:p>
             <a:r>
-              <a:rPr lang="en-US" altLang="nl-NL" dirty="0" smtClean="0"/>
+              <a:rPr lang="en-US" altLang="nl-NL" dirty="0"/>
               <a:t>People per dot</a:t>
             </a:r>
-            <a:endParaRPr lang="en-US" altLang="nl-NL" dirty="0"/>
           </a:p>
         </p:txBody>
       </p:sp>
@@ -14967,13 +15104,8 @@
             </a:pPr>
             <a:r>
               <a:rPr lang="en-US" altLang="nl-NL" sz="2000" dirty="0"/>
-              <a:t>We apply the rounded number to the aggregation algorithm</a:t>
-            </a:r>
-            <a:r>
-              <a:rPr lang="en-US" altLang="nl-NL" sz="2000" dirty="0" smtClean="0"/>
-              <a:t>.</a:t>
-            </a:r>
-            <a:endParaRPr lang="en-US" altLang="nl-NL" sz="2000" dirty="0"/>
+              <a:t>We apply the rounded number to the aggregation algorithm.</a:t>
+            </a:r>
           </a:p>
         </p:txBody>
       </p:sp>
@@ -15023,10 +15155,9 @@
           <a:lstStyle/>
           <a:p>
             <a:r>
-              <a:rPr lang="en-US" altLang="nl-NL" dirty="0" smtClean="0"/>
+              <a:rPr lang="en-US" altLang="nl-NL" dirty="0"/>
               <a:t>Splitting dots into groups</a:t>
             </a:r>
-            <a:endParaRPr lang="en-US" altLang="nl-NL" dirty="0"/>
           </a:p>
         </p:txBody>
       </p:sp>
@@ -15052,16 +15183,8 @@
           <a:p>
             <a:pPr lvl="1"/>
             <a:r>
-              <a:rPr lang="en-US" altLang="nl-NL" sz="2400" dirty="0" smtClean="0"/>
-              <a:t>Recursive algorithm that splits region into 4</a:t>
-            </a:r>
-            <a:r>
               <a:rPr lang="en-US" altLang="nl-NL" sz="2400" dirty="0"/>
-              <a:t> </a:t>
-            </a:r>
-            <a:r>
-              <a:rPr lang="en-US" altLang="nl-NL" sz="2400" dirty="0" smtClean="0"/>
-              <a:t>until the region has less or equal to the number of the group size.</a:t>
+              <a:t>Recursive algorithm that splits region into 4 until the region has less or equal to the number of the group size.</a:t>
             </a:r>
           </a:p>
         </p:txBody>

--- a/GA_Group7_DotMap Final Preposition.pptx
+++ b/GA_Group7_DotMap Final Preposition.pptx
@@ -12390,6 +12390,14 @@
   <p:clrMapOvr>
     <a:masterClrMapping/>
   </p:clrMapOvr>
+  <mc:AlternateContent xmlns:mc="http://schemas.openxmlformats.org/markup-compatibility/2006">
+    <mc:Choice xmlns:p14="http://schemas.microsoft.com/office/powerpoint/2010/main" Requires="p14">
+      <p:transition spd="slow" p14:dur="2000"/>
+    </mc:Choice>
+    <mc:Fallback>
+      <p:transition spd="slow"/>
+    </mc:Fallback>
+  </mc:AlternateContent>
 </p:sld>
 </file>
 
@@ -12741,7 +12749,7 @@
           <p:cNvPr id="4" name="Picture 3">
             <a:extLst>
               <a:ext uri="{FF2B5EF4-FFF2-40B4-BE49-F238E27FC236}">
-                <a16:creationId xmlns:a16="http://schemas.microsoft.com/office/drawing/2014/main" id="{FD054822-F023-4BCD-A593-E1581C64B41C}"/>
+                <a16:creationId xmlns:a16="http://schemas.microsoft.com/office/drawing/2014/main" xmlns="" id="{FD054822-F023-4BCD-A593-E1581C64B41C}"/>
               </a:ext>
             </a:extLst>
           </p:cNvPr>
@@ -12782,6 +12790,14 @@
   <p:clrMapOvr>
     <a:masterClrMapping/>
   </p:clrMapOvr>
+  <mc:AlternateContent xmlns:mc="http://schemas.openxmlformats.org/markup-compatibility/2006">
+    <mc:Choice xmlns:p14="http://schemas.microsoft.com/office/powerpoint/2010/main" Requires="p14">
+      <p:transition spd="slow" p14:dur="2000"/>
+    </mc:Choice>
+    <mc:Fallback>
+      <p:transition spd="slow"/>
+    </mc:Fallback>
+  </mc:AlternateContent>
 </p:sld>
 </file>
 
@@ -12829,7 +12845,7 @@
           <p:cNvPr id="6" name="Picture 5">
             <a:extLst>
               <a:ext uri="{FF2B5EF4-FFF2-40B4-BE49-F238E27FC236}">
-                <a16:creationId xmlns:a16="http://schemas.microsoft.com/office/drawing/2014/main" id="{EBCFBED3-52AC-4324-8B97-07BDE215B152}"/>
+                <a16:creationId xmlns:a16="http://schemas.microsoft.com/office/drawing/2014/main" xmlns="" id="{EBCFBED3-52AC-4324-8B97-07BDE215B152}"/>
               </a:ext>
             </a:extLst>
           </p:cNvPr>
@@ -12867,7 +12883,7 @@
               <p:cNvPr id="9" name="Content Placeholder 2">
                 <a:extLst>
                   <a:ext uri="{FF2B5EF4-FFF2-40B4-BE49-F238E27FC236}">
-                    <a16:creationId xmlns:a16="http://schemas.microsoft.com/office/drawing/2014/main" id="{5280423E-75A5-4B51-B75D-7AC85226A212}"/>
+                    <a16:creationId xmlns:a16="http://schemas.microsoft.com/office/drawing/2014/main" xmlns="" id="{5280423E-75A5-4B51-B75D-7AC85226A212}"/>
                   </a:ext>
                 </a:extLst>
               </p:cNvPr>
@@ -12988,6 +13004,14 @@
   <p:clrMapOvr>
     <a:masterClrMapping/>
   </p:clrMapOvr>
+  <mc:AlternateContent xmlns:mc="http://schemas.openxmlformats.org/markup-compatibility/2006">
+    <mc:Choice xmlns:p14="http://schemas.microsoft.com/office/powerpoint/2010/main" Requires="p14">
+      <p:transition spd="slow" p14:dur="2000"/>
+    </mc:Choice>
+    <mc:Fallback>
+      <p:transition spd="slow"/>
+    </mc:Fallback>
+  </mc:AlternateContent>
 </p:sld>
 </file>
 
@@ -13673,6 +13697,14 @@
   <p:clrMapOvr>
     <a:masterClrMapping/>
   </p:clrMapOvr>
+  <mc:AlternateContent xmlns:mc="http://schemas.openxmlformats.org/markup-compatibility/2006">
+    <mc:Choice xmlns:p14="http://schemas.microsoft.com/office/powerpoint/2010/main" Requires="p14">
+      <p:transition spd="slow" p14:dur="2000"/>
+    </mc:Choice>
+    <mc:Fallback>
+      <p:transition spd="slow"/>
+    </mc:Fallback>
+  </mc:AlternateContent>
 </p:sld>
 </file>
 
@@ -13752,8 +13784,13 @@
             <a:pPr lvl="1"/>
             <a:r>
               <a:rPr lang="en-US" altLang="nl-NL" sz="2800" dirty="0"/>
-              <a:t>Where to place the dot = O(n)</a:t>
-            </a:r>
+              <a:t>Where to place the dot = </a:t>
+            </a:r>
+            <a:r>
+              <a:rPr lang="en-US" altLang="nl-NL" sz="2800" dirty="0" smtClean="0"/>
+              <a:t>O(n)</a:t>
+            </a:r>
+            <a:endParaRPr lang="en-US" altLang="nl-NL" sz="2800" dirty="0"/>
           </a:p>
           <a:p>
             <a:pPr lvl="2"/>
@@ -13967,7 +14004,15 @@
           <a:p>
             <a:r>
               <a:rPr lang="en-US" altLang="nl-NL" sz="2000" dirty="0"/>
-              <a:t>Aggregation algorithm’s worst case Running time is O(N^3), where N = total number of people.</a:t>
+              <a:t>Aggregation algorithm’s worst case Running time is </a:t>
+            </a:r>
+            <a:r>
+              <a:rPr lang="en-US" altLang="nl-NL" sz="2000" dirty="0" smtClean="0"/>
+              <a:t>O(N^2), </a:t>
+            </a:r>
+            <a:r>
+              <a:rPr lang="en-US" altLang="nl-NL" sz="2000" dirty="0"/>
+              <a:t>where N = total number of people.</a:t>
             </a:r>
           </a:p>
           <a:p>
@@ -14053,49 +14098,22 @@
           <a:p>
             <a:r>
               <a:rPr lang="en-US" altLang="nl-NL" sz="2000" dirty="0"/>
-              <a:t>Special case 1</a:t>
-            </a:r>
-          </a:p>
-          <a:p>
-            <a:pPr lvl="1"/>
-            <a:r>
-              <a:rPr lang="en-US" altLang="nl-NL" sz="1800" dirty="0"/>
-              <a:t>West EU (20%, Green) </a:t>
-            </a:r>
-          </a:p>
-          <a:p>
-            <a:pPr lvl="1"/>
-            <a:r>
-              <a:rPr lang="en-US" altLang="nl-NL" sz="1800" dirty="0"/>
-              <a:t>North EU(20%, Blue) </a:t>
-            </a:r>
-          </a:p>
-          <a:p>
-            <a:pPr lvl="1"/>
-            <a:r>
-              <a:rPr lang="en-US" altLang="nl-NL" sz="1800" dirty="0"/>
-              <a:t>East EU (20%, Red)</a:t>
-            </a:r>
-          </a:p>
-          <a:p>
-            <a:pPr lvl="1"/>
-            <a:r>
-              <a:rPr lang="en-US" altLang="nl-NL" sz="1800" dirty="0"/>
-              <a:t>South EU (20%, Yellow)</a:t>
-            </a:r>
-          </a:p>
-          <a:p>
-            <a:pPr lvl="1"/>
-            <a:r>
-              <a:rPr lang="en-US" altLang="nl-NL" sz="1800" dirty="0"/>
-              <a:t>Non EU (20%, Black)</a:t>
+              <a:t>Special case </a:t>
+            </a:r>
+            <a:r>
+              <a:rPr lang="en-US" altLang="nl-NL" sz="2000" dirty="0" smtClean="0"/>
+              <a:t>1</a:t>
             </a:r>
           </a:p>
           <a:p>
             <a:pPr lvl="2"/>
             <a:r>
-              <a:rPr lang="en-US" altLang="nl-NL" sz="1800" dirty="0"/>
-              <a:t>people are distributed like this:</a:t>
+              <a:rPr lang="en-US" altLang="nl-NL" sz="1600" dirty="0" smtClean="0"/>
+              <a:t>people </a:t>
+            </a:r>
+            <a:r>
+              <a:rPr lang="en-US" altLang="nl-NL" sz="1600" dirty="0"/>
+              <a:t>are distributed like this:</a:t>
             </a:r>
           </a:p>
           <a:p>
@@ -14149,9 +14167,35 @@
           <a:p>
             <a:r>
               <a:rPr lang="en-US" altLang="nl-NL" sz="2000" dirty="0"/>
-              <a:t>Special case …</a:t>
+              <a:t>Special case </a:t>
+            </a:r>
+            <a:r>
+              <a:rPr lang="en-US" altLang="nl-NL" sz="2000" dirty="0" smtClean="0"/>
+              <a:t>3</a:t>
+            </a:r>
+          </a:p>
+          <a:p>
+            <a:pPr lvl="1"/>
+            <a:r>
+              <a:rPr lang="en-US" altLang="nl-NL" sz="1600" dirty="0" smtClean="0"/>
+              <a:t>There are many different groups, for example 10 different groups</a:t>
             </a:r>
             <a:endParaRPr lang="en-US" altLang="nl-NL" sz="1800" dirty="0"/>
+          </a:p>
+          <a:p>
+            <a:r>
+              <a:rPr lang="en-US" altLang="nl-NL" sz="2000" dirty="0"/>
+              <a:t>Special </a:t>
+            </a:r>
+            <a:r>
+              <a:rPr lang="en-US" altLang="nl-NL" sz="2000"/>
+              <a:t>case </a:t>
+            </a:r>
+            <a:r>
+              <a:rPr lang="en-US" altLang="nl-NL" sz="2000" smtClean="0"/>
+              <a:t>…</a:t>
+            </a:r>
+            <a:endParaRPr lang="en-US" altLang="nl-NL" sz="1600" dirty="0" smtClean="0"/>
           </a:p>
         </p:txBody>
       </p:sp>
@@ -14300,8 +14344,8 @@
           </a:p>
         </p:txBody>
       </p:sp>
-      <mc:AlternateContent xmlns:mc="http://schemas.openxmlformats.org/markup-compatibility/2006">
-        <mc:Choice xmlns:a14="http://schemas.microsoft.com/office/drawing/2010/main" Requires="a14">
+      <mc:AlternateContent xmlns:mc="http://schemas.openxmlformats.org/markup-compatibility/2006" xmlns:a14="http://schemas.microsoft.com/office/drawing/2010/main">
+        <mc:Choice Requires="a14">
           <p:sp>
             <p:nvSpPr>
               <p:cNvPr id="66563" name="Content Placeholder 2"/>
@@ -14596,7 +14640,7 @@
             </p:txBody>
           </p:sp>
         </mc:Choice>
-        <mc:Fallback>
+        <mc:Fallback xmlns="">
           <p:sp>
             <p:nvSpPr>
               <p:cNvPr id="66563" name="Content Placeholder 2"/>

--- a/GA_Group7_DotMap Final Preposition.pptx
+++ b/GA_Group7_DotMap Final Preposition.pptx
@@ -35,9 +35,9 @@
     <p:sldId id="331" r:id="rId23"/>
     <p:sldId id="335" r:id="rId24"/>
     <p:sldId id="337" r:id="rId25"/>
-    <p:sldId id="333" r:id="rId26"/>
-    <p:sldId id="318" r:id="rId27"/>
-    <p:sldId id="320" r:id="rId28"/>
+    <p:sldId id="318" r:id="rId26"/>
+    <p:sldId id="320" r:id="rId27"/>
+    <p:sldId id="333" r:id="rId28"/>
     <p:sldId id="334" r:id="rId29"/>
   </p:sldIdLst>
   <p:sldSz cx="9144000" cy="6858000" type="screen4x3"/>
@@ -272,7 +272,7 @@
           <a:p>
             <a:fld id="{0A05B349-3306-4835-8087-D2B91E6436B0}" type="datetimeFigureOut">
               <a:rPr lang="en-US" smtClean="0"/>
-              <a:t>10/25/2017</a:t>
+              <a:t>10/26/2017</a:t>
             </a:fld>
             <a:endParaRPr lang="en-US"/>
           </a:p>
@@ -982,7 +982,7 @@
               <a:pPr>
                 <a:defRPr/>
               </a:pPr>
-              <a:t>25</a:t>
+              <a:t>24</a:t>
             </a:fld>
             <a:endParaRPr lang="en-US"/>
           </a:p>
@@ -12390,11 +12390,11 @@
   <p:clrMapOvr>
     <a:masterClrMapping/>
   </p:clrMapOvr>
-  <mc:AlternateContent xmlns:mc="http://schemas.openxmlformats.org/markup-compatibility/2006">
-    <mc:Choice xmlns:p14="http://schemas.microsoft.com/office/powerpoint/2010/main" Requires="p14">
+  <mc:AlternateContent xmlns:mc="http://schemas.openxmlformats.org/markup-compatibility/2006" xmlns:p14="http://schemas.microsoft.com/office/powerpoint/2010/main">
+    <mc:Choice Requires="p14">
       <p:transition spd="slow" p14:dur="2000"/>
     </mc:Choice>
-    <mc:Fallback>
+    <mc:Fallback xmlns="">
       <p:transition spd="slow"/>
     </mc:Fallback>
   </mc:AlternateContent>
@@ -12749,7 +12749,7 @@
           <p:cNvPr id="4" name="Picture 3">
             <a:extLst>
               <a:ext uri="{FF2B5EF4-FFF2-40B4-BE49-F238E27FC236}">
-                <a16:creationId xmlns:a16="http://schemas.microsoft.com/office/drawing/2014/main" xmlns="" id="{FD054822-F023-4BCD-A593-E1581C64B41C}"/>
+                <a16:creationId xmlns="" xmlns:a16="http://schemas.microsoft.com/office/drawing/2014/main" id="{FD054822-F023-4BCD-A593-E1581C64B41C}"/>
               </a:ext>
             </a:extLst>
           </p:cNvPr>
@@ -12790,11 +12790,11 @@
   <p:clrMapOvr>
     <a:masterClrMapping/>
   </p:clrMapOvr>
-  <mc:AlternateContent xmlns:mc="http://schemas.openxmlformats.org/markup-compatibility/2006">
-    <mc:Choice xmlns:p14="http://schemas.microsoft.com/office/powerpoint/2010/main" Requires="p14">
+  <mc:AlternateContent xmlns:mc="http://schemas.openxmlformats.org/markup-compatibility/2006" xmlns:p14="http://schemas.microsoft.com/office/powerpoint/2010/main">
+    <mc:Choice Requires="p14">
       <p:transition spd="slow" p14:dur="2000"/>
     </mc:Choice>
-    <mc:Fallback>
+    <mc:Fallback xmlns="">
       <p:transition spd="slow"/>
     </mc:Fallback>
   </mc:AlternateContent>
@@ -12845,7 +12845,7 @@
           <p:cNvPr id="6" name="Picture 5">
             <a:extLst>
               <a:ext uri="{FF2B5EF4-FFF2-40B4-BE49-F238E27FC236}">
-                <a16:creationId xmlns:a16="http://schemas.microsoft.com/office/drawing/2014/main" xmlns="" id="{EBCFBED3-52AC-4324-8B97-07BDE215B152}"/>
+                <a16:creationId xmlns="" xmlns:a16="http://schemas.microsoft.com/office/drawing/2014/main" id="{EBCFBED3-52AC-4324-8B97-07BDE215B152}"/>
               </a:ext>
             </a:extLst>
           </p:cNvPr>
@@ -12883,7 +12883,7 @@
               <p:cNvPr id="9" name="Content Placeholder 2">
                 <a:extLst>
                   <a:ext uri="{FF2B5EF4-FFF2-40B4-BE49-F238E27FC236}">
-                    <a16:creationId xmlns:a16="http://schemas.microsoft.com/office/drawing/2014/main" xmlns="" id="{5280423E-75A5-4B51-B75D-7AC85226A212}"/>
+                    <a16:creationId xmlns="" xmlns:a16="http://schemas.microsoft.com/office/drawing/2014/main" id="{5280423E-75A5-4B51-B75D-7AC85226A212}"/>
                   </a:ext>
                 </a:extLst>
               </p:cNvPr>
@@ -13004,11 +13004,11 @@
   <p:clrMapOvr>
     <a:masterClrMapping/>
   </p:clrMapOvr>
-  <mc:AlternateContent xmlns:mc="http://schemas.openxmlformats.org/markup-compatibility/2006">
-    <mc:Choice xmlns:p14="http://schemas.microsoft.com/office/powerpoint/2010/main" Requires="p14">
+  <mc:AlternateContent xmlns:mc="http://schemas.openxmlformats.org/markup-compatibility/2006" xmlns:p14="http://schemas.microsoft.com/office/powerpoint/2010/main">
+    <mc:Choice Requires="p14">
       <p:transition spd="slow" p14:dur="2000"/>
     </mc:Choice>
-    <mc:Fallback>
+    <mc:Fallback xmlns="">
       <p:transition spd="slow"/>
     </mc:Fallback>
   </mc:AlternateContent>
@@ -13697,11 +13697,11 @@
   <p:clrMapOvr>
     <a:masterClrMapping/>
   </p:clrMapOvr>
-  <mc:AlternateContent xmlns:mc="http://schemas.openxmlformats.org/markup-compatibility/2006">
-    <mc:Choice xmlns:p14="http://schemas.microsoft.com/office/powerpoint/2010/main" Requires="p14">
+  <mc:AlternateContent xmlns:mc="http://schemas.openxmlformats.org/markup-compatibility/2006" xmlns:p14="http://schemas.microsoft.com/office/powerpoint/2010/main">
+    <mc:Choice Requires="p14">
       <p:transition spd="slow" p14:dur="2000"/>
     </mc:Choice>
-    <mc:Fallback>
+    <mc:Fallback xmlns="">
       <p:transition spd="slow"/>
     </mc:Fallback>
   </mc:AlternateContent>
@@ -13912,7 +13912,62 @@
           <a:p>
             <a:r>
               <a:rPr lang="en-US" altLang="nl-NL" dirty="0"/>
-              <a:t>Demo</a:t>
+              <a:t>Constraints</a:t>
+            </a:r>
+          </a:p>
+        </p:txBody>
+      </p:sp>
+      <p:sp>
+        <p:nvSpPr>
+          <p:cNvPr id="66563" name="Content Placeholder 2"/>
+          <p:cNvSpPr>
+            <a:spLocks noGrp="1"/>
+          </p:cNvSpPr>
+          <p:nvPr>
+            <p:ph idx="1"/>
+          </p:nvPr>
+        </p:nvSpPr>
+        <p:spPr>
+          <a:xfrm>
+            <a:off x="611188" y="1600200"/>
+            <a:ext cx="7994650" cy="4349079"/>
+          </a:xfrm>
+        </p:spPr>
+        <p:txBody>
+          <a:bodyPr/>
+          <a:lstStyle/>
+          <a:p>
+            <a:r>
+              <a:rPr lang="en-US" altLang="nl-NL" sz="2000" dirty="0"/>
+              <a:t>Data generation is slow O(N), where N = total number of people.</a:t>
+            </a:r>
+          </a:p>
+          <a:p>
+            <a:pPr lvl="1"/>
+            <a:r>
+              <a:rPr lang="en-US" altLang="nl-NL" sz="1800" dirty="0"/>
+              <a:t>One time only, as long as the data.txt is not deleted.</a:t>
+            </a:r>
+          </a:p>
+          <a:p>
+            <a:r>
+              <a:rPr lang="en-US" altLang="nl-NL" sz="2000" dirty="0"/>
+              <a:t>Aggregation algorithm’s worst case Running time is </a:t>
+            </a:r>
+            <a:r>
+              <a:rPr lang="en-US" altLang="nl-NL" sz="2000" dirty="0" smtClean="0"/>
+              <a:t>O(N^2), </a:t>
+            </a:r>
+            <a:r>
+              <a:rPr lang="en-US" altLang="nl-NL" sz="2000" dirty="0"/>
+              <a:t>where N = total number of people.</a:t>
+            </a:r>
+          </a:p>
+          <a:p>
+            <a:pPr lvl="1"/>
+            <a:r>
+              <a:rPr lang="en-US" altLang="nl-NL" sz="1800" dirty="0"/>
+              <a:t>Each time when the proposition (number of people to 1 dot) changes.</a:t>
             </a:r>
           </a:p>
         </p:txBody>
@@ -13920,7 +13975,7 @@
     </p:spTree>
     <p:extLst>
       <p:ext uri="{BB962C8B-B14F-4D97-AF65-F5344CB8AC3E}">
-        <p14:creationId xmlns:p14="http://schemas.microsoft.com/office/powerpoint/2010/main" val="491528343"/>
+        <p14:creationId xmlns:p14="http://schemas.microsoft.com/office/powerpoint/2010/main" val="216843196"/>
       </p:ext>
     </p:extLst>
   </p:cSld>
@@ -13981,8 +14036,8 @@
         </p:nvSpPr>
         <p:spPr>
           <a:xfrm>
-            <a:off x="611188" y="1600200"/>
-            <a:ext cx="7994650" cy="4349079"/>
+            <a:off x="611188" y="1376772"/>
+            <a:ext cx="7994650" cy="5481228"/>
           </a:xfrm>
         </p:spPr>
         <p:txBody>
@@ -13991,43 +14046,111 @@
           <a:p>
             <a:r>
               <a:rPr lang="en-US" altLang="nl-NL" sz="2000" dirty="0"/>
-              <a:t>Data generation is slow O(N), where N = total number of people.</a:t>
+              <a:t>Special case </a:t>
+            </a:r>
+            <a:r>
+              <a:rPr lang="en-US" altLang="nl-NL" sz="2000" dirty="0" smtClean="0"/>
+              <a:t>1</a:t>
+            </a:r>
+          </a:p>
+          <a:p>
+            <a:pPr lvl="2"/>
+            <a:r>
+              <a:rPr lang="en-US" altLang="nl-NL" sz="1600" dirty="0" smtClean="0"/>
+              <a:t>people </a:t>
+            </a:r>
+            <a:r>
+              <a:rPr lang="en-US" altLang="nl-NL" sz="1600" dirty="0"/>
+              <a:t>are distributed like this:</a:t>
+            </a:r>
+          </a:p>
+          <a:p>
+            <a:pPr lvl="2"/>
+            <a:r>
+              <a:rPr lang="en-US" altLang="nl-NL" sz="1800" dirty="0"/>
+              <a:t>r1,r2,r3,r4,r5,r1,r2,r3,r4,r5 ….</a:t>
+            </a:r>
+          </a:p>
+          <a:p>
+            <a:r>
+              <a:rPr lang="en-US" altLang="nl-NL" sz="2000" dirty="0"/>
+              <a:t>Special case 2</a:t>
             </a:r>
           </a:p>
           <a:p>
             <a:pPr lvl="1"/>
             <a:r>
               <a:rPr lang="en-US" altLang="nl-NL" sz="1800" dirty="0"/>
-              <a:t>One time only, as long as the data.txt is not deleted.</a:t>
+              <a:t>West EU (96%, Green) </a:t>
+            </a:r>
+          </a:p>
+          <a:p>
+            <a:pPr lvl="1"/>
+            <a:r>
+              <a:rPr lang="en-US" altLang="nl-NL" sz="1800" dirty="0"/>
+              <a:t>North EU(1%, Blue) </a:t>
+            </a:r>
+          </a:p>
+          <a:p>
+            <a:pPr lvl="1"/>
+            <a:r>
+              <a:rPr lang="en-US" altLang="nl-NL" sz="1800" dirty="0"/>
+              <a:t>East EU (1%, Red)</a:t>
+            </a:r>
+          </a:p>
+          <a:p>
+            <a:pPr lvl="1"/>
+            <a:r>
+              <a:rPr lang="en-US" altLang="nl-NL" sz="1800" dirty="0"/>
+              <a:t>South EU (1%, Yellow)</a:t>
+            </a:r>
+          </a:p>
+          <a:p>
+            <a:pPr lvl="1"/>
+            <a:r>
+              <a:rPr lang="en-US" altLang="nl-NL" sz="1800" dirty="0"/>
+              <a:t>Non EU (1%, Black)</a:t>
             </a:r>
           </a:p>
           <a:p>
             <a:r>
               <a:rPr lang="en-US" altLang="nl-NL" sz="2000" dirty="0"/>
-              <a:t>Aggregation algorithm’s worst case Running time is </a:t>
+              <a:t>Special case </a:t>
             </a:r>
             <a:r>
               <a:rPr lang="en-US" altLang="nl-NL" sz="2000" dirty="0" smtClean="0"/>
-              <a:t>O(N^2), </a:t>
-            </a:r>
+              <a:t>3</a:t>
+            </a:r>
+          </a:p>
+          <a:p>
+            <a:pPr lvl="1"/>
+            <a:r>
+              <a:rPr lang="en-US" altLang="nl-NL" sz="1600" dirty="0" smtClean="0"/>
+              <a:t>There are many different groups, for example 10 different groups</a:t>
+            </a:r>
+            <a:endParaRPr lang="en-US" altLang="nl-NL" sz="1800" dirty="0"/>
+          </a:p>
+          <a:p>
             <a:r>
               <a:rPr lang="en-US" altLang="nl-NL" sz="2000" dirty="0"/>
-              <a:t>where N = total number of people.</a:t>
-            </a:r>
-          </a:p>
-          <a:p>
-            <a:pPr lvl="1"/>
-            <a:r>
-              <a:rPr lang="en-US" altLang="nl-NL" sz="1800" dirty="0"/>
-              <a:t>Each time when the proposition (number of people to 1 dot) changes.</a:t>
-            </a:r>
+              <a:t>Special </a:t>
+            </a:r>
+            <a:r>
+              <a:rPr lang="en-US" altLang="nl-NL" sz="2000"/>
+              <a:t>case </a:t>
+            </a:r>
+            <a:r>
+              <a:rPr lang="en-US" altLang="nl-NL" sz="2000" smtClean="0"/>
+              <a:t>…</a:t>
+            </a:r>
+            <a:endParaRPr lang="en-US" altLang="nl-NL" sz="1600" dirty="0" smtClean="0"/>
           </a:p>
         </p:txBody>
       </p:sp>
     </p:spTree>
     <p:extLst>
       <p:ext uri="{BB962C8B-B14F-4D97-AF65-F5344CB8AC3E}">
-        <p14:creationId xmlns:p14="http://schemas.microsoft.com/office/powerpoint/2010/main" val="216843196"/>
+        <p14:creationId xmlns:p14="http://schemas.microsoft.com/office/powerpoint/2010/main" val="3000599760"/>
       </p:ext>
     </p:extLst>
   </p:cSld>
@@ -14071,138 +14194,15 @@
           <a:p>
             <a:r>
               <a:rPr lang="en-US" altLang="nl-NL" dirty="0"/>
-              <a:t>Constraints</a:t>
-            </a:r>
-          </a:p>
-        </p:txBody>
-      </p:sp>
-      <p:sp>
-        <p:nvSpPr>
-          <p:cNvPr id="66563" name="Content Placeholder 2"/>
-          <p:cNvSpPr>
-            <a:spLocks noGrp="1"/>
-          </p:cNvSpPr>
-          <p:nvPr>
-            <p:ph idx="1"/>
-          </p:nvPr>
-        </p:nvSpPr>
-        <p:spPr>
-          <a:xfrm>
-            <a:off x="611188" y="1376772"/>
-            <a:ext cx="7994650" cy="5481228"/>
-          </a:xfrm>
-        </p:spPr>
-        <p:txBody>
-          <a:bodyPr/>
-          <a:lstStyle/>
-          <a:p>
-            <a:r>
-              <a:rPr lang="en-US" altLang="nl-NL" sz="2000" dirty="0"/>
-              <a:t>Special case </a:t>
-            </a:r>
-            <a:r>
-              <a:rPr lang="en-US" altLang="nl-NL" sz="2000" dirty="0" smtClean="0"/>
-              <a:t>1</a:t>
-            </a:r>
-          </a:p>
-          <a:p>
-            <a:pPr lvl="2"/>
-            <a:r>
-              <a:rPr lang="en-US" altLang="nl-NL" sz="1600" dirty="0" smtClean="0"/>
-              <a:t>people </a:t>
-            </a:r>
-            <a:r>
-              <a:rPr lang="en-US" altLang="nl-NL" sz="1600" dirty="0"/>
-              <a:t>are distributed like this:</a:t>
-            </a:r>
-          </a:p>
-          <a:p>
-            <a:pPr lvl="2"/>
-            <a:r>
-              <a:rPr lang="en-US" altLang="nl-NL" sz="1800" dirty="0"/>
-              <a:t>r1,r2,r3,r4,r5,r1,r2,r3,r4,r5 ….</a:t>
-            </a:r>
-          </a:p>
-          <a:p>
-            <a:r>
-              <a:rPr lang="en-US" altLang="nl-NL" sz="2000" dirty="0"/>
-              <a:t>Special case 2</a:t>
-            </a:r>
-          </a:p>
-          <a:p>
-            <a:pPr lvl="1"/>
-            <a:r>
-              <a:rPr lang="en-US" altLang="nl-NL" sz="1800" dirty="0"/>
-              <a:t>West EU (96%, Green) </a:t>
-            </a:r>
-          </a:p>
-          <a:p>
-            <a:pPr lvl="1"/>
-            <a:r>
-              <a:rPr lang="en-US" altLang="nl-NL" sz="1800" dirty="0"/>
-              <a:t>North EU(1%, Blue) </a:t>
-            </a:r>
-          </a:p>
-          <a:p>
-            <a:pPr lvl="1"/>
-            <a:r>
-              <a:rPr lang="en-US" altLang="nl-NL" sz="1800" dirty="0"/>
-              <a:t>East EU (1%, Red)</a:t>
-            </a:r>
-          </a:p>
-          <a:p>
-            <a:pPr lvl="1"/>
-            <a:r>
-              <a:rPr lang="en-US" altLang="nl-NL" sz="1800" dirty="0"/>
-              <a:t>South EU (1%, Yellow)</a:t>
-            </a:r>
-          </a:p>
-          <a:p>
-            <a:pPr lvl="1"/>
-            <a:r>
-              <a:rPr lang="en-US" altLang="nl-NL" sz="1800" dirty="0"/>
-              <a:t>Non EU (1%, Black)</a:t>
-            </a:r>
-          </a:p>
-          <a:p>
-            <a:r>
-              <a:rPr lang="en-US" altLang="nl-NL" sz="2000" dirty="0"/>
-              <a:t>Special case </a:t>
-            </a:r>
-            <a:r>
-              <a:rPr lang="en-US" altLang="nl-NL" sz="2000" dirty="0" smtClean="0"/>
-              <a:t>3</a:t>
-            </a:r>
-          </a:p>
-          <a:p>
-            <a:pPr lvl="1"/>
-            <a:r>
-              <a:rPr lang="en-US" altLang="nl-NL" sz="1600" dirty="0" smtClean="0"/>
-              <a:t>There are many different groups, for example 10 different groups</a:t>
-            </a:r>
-            <a:endParaRPr lang="en-US" altLang="nl-NL" sz="1800" dirty="0"/>
-          </a:p>
-          <a:p>
-            <a:r>
-              <a:rPr lang="en-US" altLang="nl-NL" sz="2000" dirty="0"/>
-              <a:t>Special </a:t>
-            </a:r>
-            <a:r>
-              <a:rPr lang="en-US" altLang="nl-NL" sz="2000"/>
-              <a:t>case </a:t>
-            </a:r>
-            <a:r>
-              <a:rPr lang="en-US" altLang="nl-NL" sz="2000" smtClean="0"/>
-              <a:t>…</a:t>
-            </a:r>
-            <a:endParaRPr lang="en-US" altLang="nl-NL" sz="1600" dirty="0" smtClean="0"/>
+              <a:t>Demo</a:t>
+            </a:r>
           </a:p>
         </p:txBody>
       </p:sp>
     </p:spTree>
     <p:extLst>
       <p:ext uri="{BB962C8B-B14F-4D97-AF65-F5344CB8AC3E}">
-        <p14:creationId xmlns:p14="http://schemas.microsoft.com/office/powerpoint/2010/main" val="3000599760"/>
+        <p14:creationId xmlns:p14="http://schemas.microsoft.com/office/powerpoint/2010/main" val="491528343"/>
       </p:ext>
     </p:extLst>
   </p:cSld>
@@ -14344,8 +14344,8 @@
           </a:p>
         </p:txBody>
       </p:sp>
-      <mc:AlternateContent xmlns:mc="http://schemas.openxmlformats.org/markup-compatibility/2006" xmlns:a14="http://schemas.microsoft.com/office/drawing/2010/main">
-        <mc:Choice Requires="a14">
+      <mc:AlternateContent xmlns:mc="http://schemas.openxmlformats.org/markup-compatibility/2006">
+        <mc:Choice xmlns:a14="http://schemas.microsoft.com/office/drawing/2010/main" Requires="a14">
           <p:sp>
             <p:nvSpPr>
               <p:cNvPr id="66563" name="Content Placeholder 2"/>
@@ -14495,36 +14495,77 @@
                 <a:pPr lvl="1"/>
                 <a:r>
                   <a:rPr lang="en-US" altLang="nl-NL" sz="1800" dirty="0"/>
-                  <a:t>West EU (60%, Green) </a:t>
+                  <a:t>West EU (60%, </a:t>
                 </a:r>
+                <a:r>
+                  <a:rPr lang="en-US" altLang="nl-NL" sz="1800" dirty="0" smtClean="0"/>
+                  <a:t>Color 1) </a:t>
+                </a:r>
+                <a:endParaRPr lang="en-US" altLang="nl-NL" sz="1800" dirty="0"/>
               </a:p>
               <a:p>
                 <a:pPr lvl="1"/>
                 <a:r>
                   <a:rPr lang="en-US" altLang="nl-NL" sz="1800" dirty="0"/>
-                  <a:t>North EU(15%, Blue) </a:t>
+                  <a:t>North EU(15%, </a:t>
                 </a:r>
+                <a:r>
+                  <a:rPr lang="en-US" altLang="nl-NL" sz="1800" dirty="0"/>
+                  <a:t>Color 2</a:t>
+                </a:r>
+                <a:r>
+                  <a:rPr lang="en-US" altLang="nl-NL" sz="1800" dirty="0" smtClean="0"/>
+                  <a:t>) </a:t>
+                </a:r>
+                <a:endParaRPr lang="en-US" altLang="nl-NL" sz="1800" dirty="0"/>
               </a:p>
               <a:p>
                 <a:pPr lvl="1"/>
                 <a:r>
                   <a:rPr lang="en-US" altLang="nl-NL" sz="1800" dirty="0"/>
-                  <a:t>East EU (10%, Red)</a:t>
+                  <a:t>East EU (10%, </a:t>
                 </a:r>
+                <a:r>
+                  <a:rPr lang="en-US" altLang="nl-NL" sz="1800" dirty="0"/>
+                  <a:t>Color </a:t>
+                </a:r>
+                <a:r>
+                  <a:rPr lang="en-US" altLang="nl-NL" sz="1800" dirty="0" smtClean="0"/>
+                  <a:t>3)</a:t>
+                </a:r>
+                <a:endParaRPr lang="en-US" altLang="nl-NL" sz="1800" dirty="0"/>
               </a:p>
               <a:p>
                 <a:pPr lvl="1"/>
                 <a:r>
                   <a:rPr lang="en-US" altLang="nl-NL" sz="1800" dirty="0"/>
-                  <a:t>South EU (10%, Yellow)</a:t>
+                  <a:t>South EU (10%, </a:t>
                 </a:r>
+                <a:r>
+                  <a:rPr lang="en-US" altLang="nl-NL" sz="1800" dirty="0"/>
+                  <a:t>Color </a:t>
+                </a:r>
+                <a:r>
+                  <a:rPr lang="en-US" altLang="nl-NL" sz="1800" dirty="0" smtClean="0"/>
+                  <a:t>4)</a:t>
+                </a:r>
+                <a:endParaRPr lang="en-US" altLang="nl-NL" sz="1800" dirty="0"/>
               </a:p>
               <a:p>
                 <a:pPr lvl="1"/>
                 <a:r>
                   <a:rPr lang="en-US" altLang="nl-NL" sz="1800" dirty="0"/>
-                  <a:t>Non EU (5%, Black)</a:t>
+                  <a:t>Non EU (5%, </a:t>
                 </a:r>
+                <a:r>
+                  <a:rPr lang="en-US" altLang="nl-NL" sz="1800"/>
+                  <a:t>Color </a:t>
+                </a:r>
+                <a:r>
+                  <a:rPr lang="en-US" altLang="nl-NL" sz="1800" smtClean="0"/>
+                  <a:t>5)</a:t>
+                </a:r>
+                <a:endParaRPr lang="en-US" altLang="nl-NL" sz="1800" dirty="0"/>
               </a:p>
               <a:p>
                 <a:r>
@@ -14629,18 +14670,13 @@
                 </a14:m>
                 <a:r>
                   <a:rPr lang="en-US" altLang="nl-NL" sz="2000" dirty="0"/>
-                  <a:t>. Zoom level increases/decreases with 10% </a:t>
+                  <a:t>. Zoom level increases/decreases with 10% each level.</a:t>
                 </a:r>
-                <a:r>
-                  <a:rPr lang="en-US" altLang="nl-NL" sz="2000"/>
-                  <a:t>each level.</a:t>
-                </a:r>
-                <a:endParaRPr lang="en-US" altLang="nl-NL" sz="2000" dirty="0"/>
               </a:p>
             </p:txBody>
           </p:sp>
         </mc:Choice>
-        <mc:Fallback xmlns="">
+        <mc:Fallback>
           <p:sp>
             <p:nvSpPr>
               <p:cNvPr id="66563" name="Content Placeholder 2"/>
@@ -14656,7 +14692,7 @@
                 <a:off x="611188" y="1600200"/>
                 <a:ext cx="7994650" cy="4673116"/>
               </a:xfrm>
-              <a:blipFill>
+              <a:blipFill rotWithShape="0">
                 <a:blip r:embed="rId2"/>
                 <a:stretch>
                   <a:fillRect l="-1829" t="-1567" r="-1753"/>
